--- a/Presentations/13 Feb 2026 AlphaFold Confidence Metrics.pptx
+++ b/Presentations/13 Feb 2026 AlphaFold Confidence Metrics.pptx
@@ -25,25 +25,25 @@
     <p:sldId id="275" r:id="rId19"/>
     <p:sldId id="274" r:id="rId20"/>
     <p:sldId id="276" r:id="rId21"/>
-    <p:sldId id="277" r:id="rId22"/>
-    <p:sldId id="293" r:id="rId23"/>
-    <p:sldId id="296" r:id="rId24"/>
-    <p:sldId id="297" r:id="rId25"/>
-    <p:sldId id="299" r:id="rId26"/>
-    <p:sldId id="300" r:id="rId27"/>
-    <p:sldId id="301" r:id="rId28"/>
-    <p:sldId id="295" r:id="rId29"/>
-    <p:sldId id="290" r:id="rId30"/>
-    <p:sldId id="291" r:id="rId31"/>
-    <p:sldId id="292" r:id="rId32"/>
-    <p:sldId id="294" r:id="rId33"/>
-    <p:sldId id="298" r:id="rId34"/>
-    <p:sldId id="302" r:id="rId35"/>
-    <p:sldId id="278" r:id="rId36"/>
-    <p:sldId id="279" r:id="rId37"/>
-    <p:sldId id="280" r:id="rId38"/>
-    <p:sldId id="284" r:id="rId39"/>
-    <p:sldId id="285" r:id="rId40"/>
+    <p:sldId id="303" r:id="rId22"/>
+    <p:sldId id="277" r:id="rId23"/>
+    <p:sldId id="293" r:id="rId24"/>
+    <p:sldId id="296" r:id="rId25"/>
+    <p:sldId id="297" r:id="rId26"/>
+    <p:sldId id="299" r:id="rId27"/>
+    <p:sldId id="300" r:id="rId28"/>
+    <p:sldId id="301" r:id="rId29"/>
+    <p:sldId id="295" r:id="rId30"/>
+    <p:sldId id="290" r:id="rId31"/>
+    <p:sldId id="291" r:id="rId32"/>
+    <p:sldId id="292" r:id="rId33"/>
+    <p:sldId id="294" r:id="rId34"/>
+    <p:sldId id="298" r:id="rId35"/>
+    <p:sldId id="302" r:id="rId36"/>
+    <p:sldId id="278" r:id="rId37"/>
+    <p:sldId id="279" r:id="rId38"/>
+    <p:sldId id="280" r:id="rId39"/>
+    <p:sldId id="284" r:id="rId40"/>
     <p:sldId id="286" r:id="rId41"/>
     <p:sldId id="287" r:id="rId42"/>
     <p:sldId id="289" r:id="rId43"/>
@@ -145,6 +145,11 @@
       </a:defRPr>
     </a:lvl9pPr>
   </p:defaultTextStyle>
+  <p:extLst>
+    <p:ext uri="{EFAFB233-063F-42B5-8137-9DF3F51BA10A}">
+      <p15:sldGuideLst xmlns:p15="http://schemas.microsoft.com/office/powerpoint/2012/main"/>
+    </p:ext>
+  </p:extLst>
 </p:presentation>
 </file>
 
@@ -297,7 +302,7 @@
           <a:p>
             <a:fld id="{9199D3E2-A5E8-46DE-8116-4E913F8BDFEF}" type="datetimeFigureOut">
               <a:rPr lang="en-SG" smtClean="0"/>
-              <a:t>10 Feb 2026</a:t>
+              <a:t>11 Feb 2026</a:t>
             </a:fld>
             <a:endParaRPr lang="en-SG"/>
           </a:p>
@@ -497,7 +502,7 @@
           <a:p>
             <a:fld id="{9199D3E2-A5E8-46DE-8116-4E913F8BDFEF}" type="datetimeFigureOut">
               <a:rPr lang="en-SG" smtClean="0"/>
-              <a:t>10 Feb 2026</a:t>
+              <a:t>11 Feb 2026</a:t>
             </a:fld>
             <a:endParaRPr lang="en-SG"/>
           </a:p>
@@ -707,7 +712,7 @@
           <a:p>
             <a:fld id="{9199D3E2-A5E8-46DE-8116-4E913F8BDFEF}" type="datetimeFigureOut">
               <a:rPr lang="en-SG" smtClean="0"/>
-              <a:t>10 Feb 2026</a:t>
+              <a:t>11 Feb 2026</a:t>
             </a:fld>
             <a:endParaRPr lang="en-SG"/>
           </a:p>
@@ -907,7 +912,7 @@
           <a:p>
             <a:fld id="{9199D3E2-A5E8-46DE-8116-4E913F8BDFEF}" type="datetimeFigureOut">
               <a:rPr lang="en-SG" smtClean="0"/>
-              <a:t>10 Feb 2026</a:t>
+              <a:t>11 Feb 2026</a:t>
             </a:fld>
             <a:endParaRPr lang="en-SG"/>
           </a:p>
@@ -1183,7 +1188,7 @@
           <a:p>
             <a:fld id="{9199D3E2-A5E8-46DE-8116-4E913F8BDFEF}" type="datetimeFigureOut">
               <a:rPr lang="en-SG" smtClean="0"/>
-              <a:t>10 Feb 2026</a:t>
+              <a:t>11 Feb 2026</a:t>
             </a:fld>
             <a:endParaRPr lang="en-SG"/>
           </a:p>
@@ -1451,7 +1456,7 @@
           <a:p>
             <a:fld id="{9199D3E2-A5E8-46DE-8116-4E913F8BDFEF}" type="datetimeFigureOut">
               <a:rPr lang="en-SG" smtClean="0"/>
-              <a:t>10 Feb 2026</a:t>
+              <a:t>11 Feb 2026</a:t>
             </a:fld>
             <a:endParaRPr lang="en-SG"/>
           </a:p>
@@ -1866,7 +1871,7 @@
           <a:p>
             <a:fld id="{9199D3E2-A5E8-46DE-8116-4E913F8BDFEF}" type="datetimeFigureOut">
               <a:rPr lang="en-SG" smtClean="0"/>
-              <a:t>10 Feb 2026</a:t>
+              <a:t>11 Feb 2026</a:t>
             </a:fld>
             <a:endParaRPr lang="en-SG"/>
           </a:p>
@@ -2008,7 +2013,7 @@
           <a:p>
             <a:fld id="{9199D3E2-A5E8-46DE-8116-4E913F8BDFEF}" type="datetimeFigureOut">
               <a:rPr lang="en-SG" smtClean="0"/>
-              <a:t>10 Feb 2026</a:t>
+              <a:t>11 Feb 2026</a:t>
             </a:fld>
             <a:endParaRPr lang="en-SG"/>
           </a:p>
@@ -2121,7 +2126,7 @@
           <a:p>
             <a:fld id="{9199D3E2-A5E8-46DE-8116-4E913F8BDFEF}" type="datetimeFigureOut">
               <a:rPr lang="en-SG" smtClean="0"/>
-              <a:t>10 Feb 2026</a:t>
+              <a:t>11 Feb 2026</a:t>
             </a:fld>
             <a:endParaRPr lang="en-SG"/>
           </a:p>
@@ -2434,7 +2439,7 @@
           <a:p>
             <a:fld id="{9199D3E2-A5E8-46DE-8116-4E913F8BDFEF}" type="datetimeFigureOut">
               <a:rPr lang="en-SG" smtClean="0"/>
-              <a:t>10 Feb 2026</a:t>
+              <a:t>11 Feb 2026</a:t>
             </a:fld>
             <a:endParaRPr lang="en-SG"/>
           </a:p>
@@ -2723,7 +2728,7 @@
           <a:p>
             <a:fld id="{9199D3E2-A5E8-46DE-8116-4E913F8BDFEF}" type="datetimeFigureOut">
               <a:rPr lang="en-SG" smtClean="0"/>
-              <a:t>10 Feb 2026</a:t>
+              <a:t>11 Feb 2026</a:t>
             </a:fld>
             <a:endParaRPr lang="en-SG"/>
           </a:p>
@@ -2966,7 +2971,7 @@
           <a:p>
             <a:fld id="{9199D3E2-A5E8-46DE-8116-4E913F8BDFEF}" type="datetimeFigureOut">
               <a:rPr lang="en-SG" smtClean="0"/>
-              <a:t>10 Feb 2026</a:t>
+              <a:t>11 Feb 2026</a:t>
             </a:fld>
             <a:endParaRPr lang="en-SG"/>
           </a:p>
@@ -3525,8 +3530,8 @@
           </a:p>
         </p:txBody>
       </p:sp>
-      <mc:AlternateContent xmlns:mc="http://schemas.openxmlformats.org/markup-compatibility/2006">
-        <mc:Choice xmlns:a14="http://schemas.microsoft.com/office/drawing/2010/main" Requires="a14">
+      <mc:AlternateContent xmlns:mc="http://schemas.openxmlformats.org/markup-compatibility/2006" xmlns:a14="http://schemas.microsoft.com/office/drawing/2010/main">
+        <mc:Choice Requires="a14">
           <p:sp>
             <p:nvSpPr>
               <p:cNvPr id="3" name="Content Placeholder 2">
@@ -3636,7 +3641,7 @@
             </p:txBody>
           </p:sp>
         </mc:Choice>
-        <mc:Fallback>
+        <mc:Fallback xmlns="">
           <p:sp>
             <p:nvSpPr>
               <p:cNvPr id="3" name="Content Placeholder 2">
@@ -4397,8 +4402,8 @@
           </a:p>
         </p:txBody>
       </p:sp>
-      <mc:AlternateContent xmlns:mc="http://schemas.openxmlformats.org/markup-compatibility/2006">
-        <mc:Choice xmlns:a14="http://schemas.microsoft.com/office/drawing/2010/main" Requires="a14">
+      <mc:AlternateContent xmlns:mc="http://schemas.openxmlformats.org/markup-compatibility/2006" xmlns:a14="http://schemas.microsoft.com/office/drawing/2010/main">
+        <mc:Choice Requires="a14">
           <p:sp>
             <p:nvSpPr>
               <p:cNvPr id="3" name="Content Placeholder 2">
@@ -4475,18 +4480,24 @@
                       <m:dPr>
                         <m:sepChr m:val=","/>
                         <m:ctrlPr>
-                          <a:rPr lang="ar-AE"/>
+                          <a:rPr lang="ar-AE" i="1">
+                            <a:latin typeface="Cambria Math" panose="02040503050406030204" pitchFamily="18" charset="0"/>
+                          </a:rPr>
                         </m:ctrlPr>
                       </m:dPr>
                       <m:e>
                         <m:r>
-                          <a:rPr lang="ar-AE" i="1"/>
+                          <a:rPr lang="ar-AE" i="1">
+                            <a:latin typeface="Cambria Math" panose="02040503050406030204" pitchFamily="18" charset="0"/>
+                          </a:rPr>
                           <m:t>𝑖</m:t>
                         </m:r>
                       </m:e>
                       <m:e>
                         <m:r>
-                          <a:rPr lang="ar-AE" i="1"/>
+                          <a:rPr lang="ar-AE" i="1">
+                            <a:latin typeface="Cambria Math" panose="02040503050406030204" pitchFamily="18" charset="0"/>
+                          </a:rPr>
                           <m:t>𝑗</m:t>
                         </m:r>
                       </m:e>
@@ -4579,55 +4590,75 @@
                       <m:f>
                         <m:fPr>
                           <m:ctrlPr>
-                            <a:rPr lang="ar-AE"/>
+                            <a:rPr lang="ar-AE" i="1">
+                              <a:latin typeface="Cambria Math" panose="02040503050406030204" pitchFamily="18" charset="0"/>
+                            </a:rPr>
                           </m:ctrlPr>
                         </m:fPr>
                         <m:num>
                           <m:r>
-                            <a:rPr lang="ar-AE"/>
+                            <a:rPr lang="ar-AE">
+                              <a:latin typeface="Cambria Math" panose="02040503050406030204" pitchFamily="18" charset="0"/>
+                            </a:rPr>
                             <m:t>1</m:t>
                           </m:r>
                         </m:num>
                         <m:den>
                           <m:r>
-                            <a:rPr lang="ar-AE"/>
+                            <a:rPr lang="ar-AE">
+                              <a:latin typeface="Cambria Math" panose="02040503050406030204" pitchFamily="18" charset="0"/>
+                            </a:rPr>
                             <m:t>1</m:t>
                           </m:r>
                           <m:r>
-                            <a:rPr lang="ar-AE"/>
+                            <a:rPr lang="ar-AE">
+                              <a:latin typeface="Cambria Math" panose="02040503050406030204" pitchFamily="18" charset="0"/>
+                            </a:rPr>
                             <m:t>+</m:t>
                           </m:r>
                           <m:d>
                             <m:dPr>
                               <m:endChr m:val=""/>
                               <m:ctrlPr>
-                                <a:rPr lang="ar-AE" i="1"/>
+                                <a:rPr lang="ar-AE" i="1">
+                                  <a:latin typeface="Cambria Math" panose="02040503050406030204" pitchFamily="18" charset="0"/>
+                                </a:rPr>
                               </m:ctrlPr>
                             </m:dPr>
                             <m:e>
                               <m:r>
-                                <a:rPr lang="ar-AE" i="1"/>
+                                <a:rPr lang="ar-AE" i="1">
+                                  <a:latin typeface="Cambria Math" panose="02040503050406030204" pitchFamily="18" charset="0"/>
+                                </a:rPr>
                                 <m:t>𝑑</m:t>
                               </m:r>
                               <m:r>
-                                <a:rPr lang="ar-AE"/>
+                                <a:rPr lang="ar-AE">
+                                  <a:latin typeface="Cambria Math" panose="02040503050406030204" pitchFamily="18" charset="0"/>
+                                </a:rPr>
                                 <m:t>/</m:t>
                               </m:r>
                               <m:sSub>
                                 <m:sSubPr>
                                   <m:ctrlPr>
-                                    <a:rPr lang="ar-AE" i="1"/>
+                                    <a:rPr lang="ar-AE" i="1">
+                                      <a:latin typeface="Cambria Math" panose="02040503050406030204" pitchFamily="18" charset="0"/>
+                                    </a:rPr>
                                   </m:ctrlPr>
                                 </m:sSubPr>
                                 <m:e>
                                   <m:r>
-                                    <a:rPr lang="ar-AE" i="1"/>
+                                    <a:rPr lang="ar-AE" i="1">
+                                      <a:latin typeface="Cambria Math" panose="02040503050406030204" pitchFamily="18" charset="0"/>
+                                    </a:rPr>
                                     <m:t>𝑑</m:t>
                                   </m:r>
                                 </m:e>
                                 <m:sub>
                                   <m:r>
-                                    <a:rPr lang="ar-AE"/>
+                                    <a:rPr lang="ar-AE">
+                                      <a:latin typeface="Cambria Math" panose="02040503050406030204" pitchFamily="18" charset="0"/>
+                                    </a:rPr>
                                     <m:t>0</m:t>
                                   </m:r>
                                 </m:sub>
@@ -4635,7 +4666,9 @@
                               <m:sSup>
                                 <m:sSupPr>
                                   <m:ctrlPr>
-                                    <a:rPr lang="ar-AE" i="1"/>
+                                    <a:rPr lang="ar-AE" i="1">
+                                      <a:latin typeface="Cambria Math" panose="02040503050406030204" pitchFamily="18" charset="0"/>
+                                    </a:rPr>
                                   </m:ctrlPr>
                                 </m:sSupPr>
                                 <m:e>
@@ -4644,12 +4677,16 @@
                                       <m:begChr m:val=""/>
                                       <m:endChr m:val=""/>
                                       <m:ctrlPr>
-                                        <a:rPr lang="ar-AE" i="1"/>
+                                        <a:rPr lang="ar-AE" i="1">
+                                          <a:latin typeface="Cambria Math" panose="02040503050406030204" pitchFamily="18" charset="0"/>
+                                        </a:rPr>
                                       </m:ctrlPr>
                                     </m:dPr>
                                     <m:e>
                                       <m:r>
-                                        <a:rPr lang="ar-AE"/>
+                                        <a:rPr lang="ar-AE">
+                                          <a:latin typeface="Cambria Math" panose="02040503050406030204" pitchFamily="18" charset="0"/>
+                                        </a:rPr>
                                         <m:t>)</m:t>
                                       </m:r>
                                     </m:e>
@@ -4657,7 +4694,9 @@
                                 </m:e>
                                 <m:sup>
                                   <m:r>
-                                    <a:rPr lang="ar-AE"/>
+                                    <a:rPr lang="ar-AE">
+                                      <a:latin typeface="Cambria Math" panose="02040503050406030204" pitchFamily="18" charset="0"/>
+                                    </a:rPr>
                                     <m:t>2</m:t>
                                   </m:r>
                                 </m:sup>
@@ -4684,18 +4723,24 @@
                     <m:sSub>
                       <m:sSubPr>
                         <m:ctrlPr>
-                          <a:rPr lang="ar-AE"/>
+                          <a:rPr lang="ar-AE" i="1">
+                            <a:latin typeface="Cambria Math" panose="02040503050406030204" pitchFamily="18" charset="0"/>
+                          </a:rPr>
                         </m:ctrlPr>
                       </m:sSubPr>
                       <m:e>
                         <m:r>
-                          <a:rPr lang="ar-AE" i="1"/>
+                          <a:rPr lang="ar-AE" i="1">
+                            <a:latin typeface="Cambria Math" panose="02040503050406030204" pitchFamily="18" charset="0"/>
+                          </a:rPr>
                           <m:t>𝑑</m:t>
                         </m:r>
                       </m:e>
                       <m:sub>
                         <m:r>
-                          <a:rPr lang="ar-AE"/>
+                          <a:rPr lang="ar-AE">
+                            <a:latin typeface="Cambria Math" panose="02040503050406030204" pitchFamily="18" charset="0"/>
+                          </a:rPr>
                           <m:t>0</m:t>
                         </m:r>
                       </m:sub>
@@ -4719,7 +4764,9 @@
                 <a14:m>
                   <m:oMath xmlns:m="http://schemas.openxmlformats.org/officeDocument/2006/math">
                     <m:r>
-                      <a:rPr lang="en-SG" i="1"/>
+                      <a:rPr lang="en-SG" i="1">
+                        <a:latin typeface="Cambria Math" panose="02040503050406030204" pitchFamily="18" charset="0"/>
+                      </a:rPr>
                       <m:t>𝑑</m:t>
                     </m:r>
                     <m:r>
@@ -4743,7 +4790,9 @@
                 <a14:m>
                   <m:oMath xmlns:m="http://schemas.openxmlformats.org/officeDocument/2006/math">
                     <m:r>
-                      <a:rPr lang="en-SG"/>
+                      <a:rPr lang="en-SG">
+                        <a:latin typeface="Cambria Math" panose="02040503050406030204" pitchFamily="18" charset="0"/>
+                      </a:rPr>
                       <m:t>𝔼</m:t>
                     </m:r>
                     <m:d>
@@ -4751,62 +4800,84 @@
                         <m:begChr m:val="["/>
                         <m:endChr m:val="]"/>
                         <m:ctrlPr>
-                          <a:rPr lang="ar-AE" i="1"/>
+                          <a:rPr lang="ar-AE" i="1">
+                            <a:latin typeface="Cambria Math" panose="02040503050406030204" pitchFamily="18" charset="0"/>
+                          </a:rPr>
                         </m:ctrlPr>
                       </m:dPr>
                       <m:e>
                         <m:f>
                           <m:fPr>
                             <m:ctrlPr>
-                              <a:rPr lang="ar-AE" i="1"/>
+                              <a:rPr lang="ar-AE" i="1">
+                                <a:latin typeface="Cambria Math" panose="02040503050406030204" pitchFamily="18" charset="0"/>
+                              </a:rPr>
                             </m:ctrlPr>
                           </m:fPr>
                           <m:num>
                             <m:r>
-                              <a:rPr lang="ar-AE"/>
+                              <a:rPr lang="ar-AE">
+                                <a:latin typeface="Cambria Math" panose="02040503050406030204" pitchFamily="18" charset="0"/>
+                              </a:rPr>
                               <m:t>1</m:t>
                             </m:r>
                           </m:num>
                           <m:den>
                             <m:r>
-                              <a:rPr lang="ar-AE"/>
+                              <a:rPr lang="ar-AE">
+                                <a:latin typeface="Cambria Math" panose="02040503050406030204" pitchFamily="18" charset="0"/>
+                              </a:rPr>
                               <m:t>1</m:t>
                             </m:r>
                             <m:r>
-                              <a:rPr lang="ar-AE"/>
+                              <a:rPr lang="ar-AE">
+                                <a:latin typeface="Cambria Math" panose="02040503050406030204" pitchFamily="18" charset="0"/>
+                              </a:rPr>
                               <m:t>+</m:t>
                             </m:r>
                             <m:d>
                               <m:dPr>
                                 <m:endChr m:val=""/>
                                 <m:ctrlPr>
-                                  <a:rPr lang="ar-AE" i="1"/>
+                                  <a:rPr lang="ar-AE" i="1">
+                                    <a:latin typeface="Cambria Math" panose="02040503050406030204" pitchFamily="18" charset="0"/>
+                                  </a:rPr>
                                 </m:ctrlPr>
                               </m:dPr>
                               <m:e>
                                 <m:r>
-                                  <a:rPr lang="ar-AE" i="1"/>
+                                  <a:rPr lang="ar-AE" i="1">
+                                    <a:latin typeface="Cambria Math" panose="02040503050406030204" pitchFamily="18" charset="0"/>
+                                  </a:rPr>
                                   <m:t>𝑑</m:t>
                                 </m:r>
                                 <m:r>
-                                  <a:rPr lang="ar-AE"/>
+                                  <a:rPr lang="ar-AE">
+                                    <a:latin typeface="Cambria Math" panose="02040503050406030204" pitchFamily="18" charset="0"/>
+                                  </a:rPr>
                                   <m:t>/</m:t>
                                 </m:r>
                                 <m:sSub>
                                   <m:sSubPr>
                                     <m:ctrlPr>
-                                      <a:rPr lang="ar-AE" i="1"/>
+                                      <a:rPr lang="ar-AE" i="1">
+                                        <a:latin typeface="Cambria Math" panose="02040503050406030204" pitchFamily="18" charset="0"/>
+                                      </a:rPr>
                                     </m:ctrlPr>
                                   </m:sSubPr>
                                   <m:e>
                                     <m:r>
-                                      <a:rPr lang="ar-AE" i="1"/>
+                                      <a:rPr lang="ar-AE" i="1">
+                                        <a:latin typeface="Cambria Math" panose="02040503050406030204" pitchFamily="18" charset="0"/>
+                                      </a:rPr>
                                       <m:t>𝑑</m:t>
                                     </m:r>
                                   </m:e>
                                   <m:sub>
                                     <m:r>
-                                      <a:rPr lang="ar-AE"/>
+                                      <a:rPr lang="ar-AE">
+                                        <a:latin typeface="Cambria Math" panose="02040503050406030204" pitchFamily="18" charset="0"/>
+                                      </a:rPr>
                                       <m:t>0</m:t>
                                     </m:r>
                                   </m:sub>
@@ -4814,7 +4885,9 @@
                                 <m:sSup>
                                   <m:sSupPr>
                                     <m:ctrlPr>
-                                      <a:rPr lang="ar-AE" i="1"/>
+                                      <a:rPr lang="ar-AE" i="1">
+                                        <a:latin typeface="Cambria Math" panose="02040503050406030204" pitchFamily="18" charset="0"/>
+                                      </a:rPr>
                                     </m:ctrlPr>
                                   </m:sSupPr>
                                   <m:e>
@@ -4823,12 +4896,16 @@
                                         <m:begChr m:val=""/>
                                         <m:endChr m:val=""/>
                                         <m:ctrlPr>
-                                          <a:rPr lang="ar-AE" i="1"/>
+                                          <a:rPr lang="ar-AE" i="1">
+                                            <a:latin typeface="Cambria Math" panose="02040503050406030204" pitchFamily="18" charset="0"/>
+                                          </a:rPr>
                                         </m:ctrlPr>
                                       </m:dPr>
                                       <m:e>
                                         <m:r>
-                                          <a:rPr lang="ar-AE"/>
+                                          <a:rPr lang="ar-AE">
+                                            <a:latin typeface="Cambria Math" panose="02040503050406030204" pitchFamily="18" charset="0"/>
+                                          </a:rPr>
                                           <m:t>)</m:t>
                                         </m:r>
                                       </m:e>
@@ -4836,7 +4913,9 @@
                                   </m:e>
                                   <m:sup>
                                     <m:r>
-                                      <a:rPr lang="ar-AE"/>
+                                      <a:rPr lang="ar-AE">
+                                        <a:latin typeface="Cambria Math" panose="02040503050406030204" pitchFamily="18" charset="0"/>
+                                      </a:rPr>
                                       <m:t>2</m:t>
                                     </m:r>
                                   </m:sup>
@@ -4848,7 +4927,9 @@
                       </m:e>
                     </m:d>
                     <m:r>
-                      <a:rPr lang="ar-AE"/>
+                      <a:rPr lang="ar-AE">
+                        <a:latin typeface="Cambria Math" panose="02040503050406030204" pitchFamily="18" charset="0"/>
+                      </a:rPr>
                       <m:t>≈</m:t>
                     </m:r>
                     <m:nary>
@@ -4857,12 +4938,16 @@
                         <m:grow m:val="on"/>
                         <m:supHide m:val="on"/>
                         <m:ctrlPr>
-                          <a:rPr lang="ar-AE" i="1"/>
+                          <a:rPr lang="ar-AE" i="1">
+                            <a:latin typeface="Cambria Math" panose="02040503050406030204" pitchFamily="18" charset="0"/>
+                          </a:rPr>
                         </m:ctrlPr>
                       </m:naryPr>
                       <m:sub>
                         <m:r>
-                          <a:rPr lang="ar-AE" i="1"/>
+                          <a:rPr lang="ar-AE" i="1">
+                            <a:latin typeface="Cambria Math" panose="02040503050406030204" pitchFamily="18" charset="0"/>
+                          </a:rPr>
                           <m:t>𝑘</m:t>
                         </m:r>
                       </m:sub>
@@ -4871,18 +4956,24 @@
                         <m:sSub>
                           <m:sSubPr>
                             <m:ctrlPr>
-                              <a:rPr lang="ar-AE" i="1"/>
+                              <a:rPr lang="ar-AE" i="1">
+                                <a:latin typeface="Cambria Math" panose="02040503050406030204" pitchFamily="18" charset="0"/>
+                              </a:rPr>
                             </m:ctrlPr>
                           </m:sSubPr>
                           <m:e>
                             <m:r>
-                              <a:rPr lang="ar-AE" i="1"/>
+                              <a:rPr lang="ar-AE" i="1">
+                                <a:latin typeface="Cambria Math" panose="02040503050406030204" pitchFamily="18" charset="0"/>
+                              </a:rPr>
                               <m:t>𝑝</m:t>
                             </m:r>
                           </m:e>
                           <m:sub>
                             <m:r>
-                              <a:rPr lang="ar-AE" i="1"/>
+                              <a:rPr lang="ar-AE" i="1">
+                                <a:latin typeface="Cambria Math" panose="02040503050406030204" pitchFamily="18" charset="0"/>
+                              </a:rPr>
                               <m:t>𝑘</m:t>
                             </m:r>
                           </m:sub>
@@ -4890,76 +4981,102 @@
                       </m:e>
                     </m:nary>
                     <m:r>
-                      <a:rPr lang="ar-AE"/>
+                      <a:rPr lang="ar-AE">
+                        <a:latin typeface="Cambria Math" panose="02040503050406030204" pitchFamily="18" charset="0"/>
+                      </a:rPr>
                       <m:t>⋅</m:t>
                     </m:r>
                     <m:f>
                       <m:fPr>
                         <m:ctrlPr>
-                          <a:rPr lang="ar-AE" i="1"/>
+                          <a:rPr lang="ar-AE" i="1">
+                            <a:latin typeface="Cambria Math" panose="02040503050406030204" pitchFamily="18" charset="0"/>
+                          </a:rPr>
                         </m:ctrlPr>
                       </m:fPr>
                       <m:num>
                         <m:r>
-                          <a:rPr lang="ar-AE"/>
+                          <a:rPr lang="ar-AE">
+                            <a:latin typeface="Cambria Math" panose="02040503050406030204" pitchFamily="18" charset="0"/>
+                          </a:rPr>
                           <m:t>1</m:t>
                         </m:r>
                       </m:num>
                       <m:den>
                         <m:r>
-                          <a:rPr lang="ar-AE"/>
+                          <a:rPr lang="ar-AE">
+                            <a:latin typeface="Cambria Math" panose="02040503050406030204" pitchFamily="18" charset="0"/>
+                          </a:rPr>
                           <m:t>1</m:t>
                         </m:r>
                         <m:r>
-                          <a:rPr lang="ar-AE"/>
+                          <a:rPr lang="ar-AE">
+                            <a:latin typeface="Cambria Math" panose="02040503050406030204" pitchFamily="18" charset="0"/>
+                          </a:rPr>
                           <m:t>+</m:t>
                         </m:r>
                         <m:d>
                           <m:dPr>
                             <m:endChr m:val=""/>
                             <m:ctrlPr>
-                              <a:rPr lang="ar-AE" i="1"/>
+                              <a:rPr lang="ar-AE" i="1">
+                                <a:latin typeface="Cambria Math" panose="02040503050406030204" pitchFamily="18" charset="0"/>
+                              </a:rPr>
                             </m:ctrlPr>
                           </m:dPr>
                           <m:e>
                             <m:sSub>
                               <m:sSubPr>
                                 <m:ctrlPr>
-                                  <a:rPr lang="ar-AE" i="1"/>
+                                  <a:rPr lang="ar-AE" i="1">
+                                    <a:latin typeface="Cambria Math" panose="02040503050406030204" pitchFamily="18" charset="0"/>
+                                  </a:rPr>
                                 </m:ctrlPr>
                               </m:sSubPr>
                               <m:e>
                                 <m:r>
-                                  <a:rPr lang="ar-AE" i="1"/>
+                                  <a:rPr lang="ar-AE" i="1">
+                                    <a:latin typeface="Cambria Math" panose="02040503050406030204" pitchFamily="18" charset="0"/>
+                                  </a:rPr>
                                   <m:t>𝑐</m:t>
                                 </m:r>
                               </m:e>
                               <m:sub>
                                 <m:r>
-                                  <a:rPr lang="ar-AE" i="1"/>
+                                  <a:rPr lang="ar-AE" i="1">
+                                    <a:latin typeface="Cambria Math" panose="02040503050406030204" pitchFamily="18" charset="0"/>
+                                  </a:rPr>
                                   <m:t>𝑘</m:t>
                                 </m:r>
                               </m:sub>
                             </m:sSub>
                             <m:r>
-                              <a:rPr lang="ar-AE"/>
+                              <a:rPr lang="ar-AE">
+                                <a:latin typeface="Cambria Math" panose="02040503050406030204" pitchFamily="18" charset="0"/>
+                              </a:rPr>
                               <m:t>/</m:t>
                             </m:r>
                             <m:sSub>
                               <m:sSubPr>
                                 <m:ctrlPr>
-                                  <a:rPr lang="ar-AE" i="1"/>
+                                  <a:rPr lang="ar-AE" i="1">
+                                    <a:latin typeface="Cambria Math" panose="02040503050406030204" pitchFamily="18" charset="0"/>
+                                  </a:rPr>
                                 </m:ctrlPr>
                               </m:sSubPr>
                               <m:e>
                                 <m:r>
-                                  <a:rPr lang="ar-AE" i="1"/>
+                                  <a:rPr lang="ar-AE" i="1">
+                                    <a:latin typeface="Cambria Math" panose="02040503050406030204" pitchFamily="18" charset="0"/>
+                                  </a:rPr>
                                   <m:t>𝑑</m:t>
                                 </m:r>
                               </m:e>
                               <m:sub>
                                 <m:r>
-                                  <a:rPr lang="ar-AE"/>
+                                  <a:rPr lang="ar-AE">
+                                    <a:latin typeface="Cambria Math" panose="02040503050406030204" pitchFamily="18" charset="0"/>
+                                  </a:rPr>
                                   <m:t>0</m:t>
                                 </m:r>
                               </m:sub>
@@ -4967,7 +5084,9 @@
                             <m:sSup>
                               <m:sSupPr>
                                 <m:ctrlPr>
-                                  <a:rPr lang="ar-AE" i="1"/>
+                                  <a:rPr lang="ar-AE" i="1">
+                                    <a:latin typeface="Cambria Math" panose="02040503050406030204" pitchFamily="18" charset="0"/>
+                                  </a:rPr>
                                 </m:ctrlPr>
                               </m:sSupPr>
                               <m:e>
@@ -4976,12 +5095,16 @@
                                     <m:begChr m:val=""/>
                                     <m:endChr m:val=""/>
                                     <m:ctrlPr>
-                                      <a:rPr lang="ar-AE" i="1"/>
+                                      <a:rPr lang="ar-AE" i="1">
+                                        <a:latin typeface="Cambria Math" panose="02040503050406030204" pitchFamily="18" charset="0"/>
+                                      </a:rPr>
                                     </m:ctrlPr>
                                   </m:dPr>
                                   <m:e>
                                     <m:r>
-                                      <a:rPr lang="ar-AE"/>
+                                      <a:rPr lang="ar-AE">
+                                        <a:latin typeface="Cambria Math" panose="02040503050406030204" pitchFamily="18" charset="0"/>
+                                      </a:rPr>
                                       <m:t>)</m:t>
                                     </m:r>
                                   </m:e>
@@ -4989,7 +5112,9 @@
                               </m:e>
                               <m:sup>
                                 <m:r>
-                                  <a:rPr lang="ar-AE"/>
+                                  <a:rPr lang="ar-AE">
+                                    <a:latin typeface="Cambria Math" panose="02040503050406030204" pitchFamily="18" charset="0"/>
+                                  </a:rPr>
                                   <m:t>2</m:t>
                                 </m:r>
                               </m:sup>
@@ -5012,18 +5137,24 @@
                     <m:sSub>
                       <m:sSubPr>
                         <m:ctrlPr>
-                          <a:rPr lang="ar-AE"/>
+                          <a:rPr lang="ar-AE" i="1">
+                            <a:latin typeface="Cambria Math" panose="02040503050406030204" pitchFamily="18" charset="0"/>
+                          </a:rPr>
                         </m:ctrlPr>
                       </m:sSubPr>
                       <m:e>
                         <m:r>
-                          <a:rPr lang="ar-AE" i="1"/>
+                          <a:rPr lang="ar-AE" i="1">
+                            <a:latin typeface="Cambria Math" panose="02040503050406030204" pitchFamily="18" charset="0"/>
+                          </a:rPr>
                           <m:t>𝑝</m:t>
                         </m:r>
                       </m:e>
                       <m:sub>
                         <m:r>
-                          <a:rPr lang="ar-AE" i="1"/>
+                          <a:rPr lang="ar-AE" i="1">
+                            <a:latin typeface="Cambria Math" panose="02040503050406030204" pitchFamily="18" charset="0"/>
+                          </a:rPr>
                           <m:t>𝑘</m:t>
                         </m:r>
                       </m:sub>
@@ -5041,7 +5172,9 @@
                 <a14:m>
                   <m:oMath xmlns:m="http://schemas.openxmlformats.org/officeDocument/2006/math">
                     <m:r>
-                      <a:rPr lang="en-SG" i="1"/>
+                      <a:rPr lang="en-SG" i="1">
+                        <a:latin typeface="Cambria Math" panose="02040503050406030204" pitchFamily="18" charset="0"/>
+                      </a:rPr>
                       <m:t>𝑘</m:t>
                     </m:r>
                   </m:oMath>
@@ -5058,18 +5191,24 @@
                     <m:sSub>
                       <m:sSubPr>
                         <m:ctrlPr>
-                          <a:rPr lang="ar-AE"/>
+                          <a:rPr lang="ar-AE" i="1">
+                            <a:latin typeface="Cambria Math" panose="02040503050406030204" pitchFamily="18" charset="0"/>
+                          </a:rPr>
                         </m:ctrlPr>
                       </m:sSubPr>
                       <m:e>
                         <m:r>
-                          <a:rPr lang="ar-AE" i="1"/>
+                          <a:rPr lang="ar-AE" i="1">
+                            <a:latin typeface="Cambria Math" panose="02040503050406030204" pitchFamily="18" charset="0"/>
+                          </a:rPr>
                           <m:t>𝑐</m:t>
                         </m:r>
                       </m:e>
                       <m:sub>
                         <m:r>
-                          <a:rPr lang="ar-AE" i="1"/>
+                          <a:rPr lang="ar-AE" i="1">
+                            <a:latin typeface="Cambria Math" panose="02040503050406030204" pitchFamily="18" charset="0"/>
+                          </a:rPr>
                           <m:t>𝑘</m:t>
                         </m:r>
                       </m:sub>
@@ -5105,7 +5244,9 @@
                 <a14:m>
                   <m:oMath xmlns:m="http://schemas.openxmlformats.org/officeDocument/2006/math">
                     <m:r>
-                      <a:rPr lang="en-SG" i="1"/>
+                      <a:rPr lang="en-SG" i="1">
+                        <a:latin typeface="Cambria Math" panose="02040503050406030204" pitchFamily="18" charset="0"/>
+                      </a:rPr>
                       <m:t>𝑖</m:t>
                     </m:r>
                   </m:oMath>
@@ -5117,7 +5258,9 @@
                 <a14:m>
                   <m:oMath xmlns:m="http://schemas.openxmlformats.org/officeDocument/2006/math">
                     <m:r>
-                      <a:rPr lang="en-SG" i="1"/>
+                      <a:rPr lang="en-SG" i="1">
+                        <a:latin typeface="Cambria Math" panose="02040503050406030204" pitchFamily="18" charset="0"/>
+                      </a:rPr>
                       <m:t>𝑗</m:t>
                     </m:r>
                   </m:oMath>
@@ -5137,7 +5280,7 @@
             </p:txBody>
           </p:sp>
         </mc:Choice>
-        <mc:Fallback>
+        <mc:Fallback xmlns="">
           <p:sp>
             <p:nvSpPr>
               <p:cNvPr id="3" name="Content Placeholder 2">
@@ -5265,7 +5408,7 @@
             <p:spPr/>
             <p:txBody>
               <a:bodyPr>
-                <a:normAutofit fontScale="92500" lnSpcReduction="20000"/>
+                <a:normAutofit fontScale="92500" lnSpcReduction="10000"/>
               </a:bodyPr>
               <a:lstStyle/>
               <a:p>
@@ -5283,7 +5426,9 @@
                 <a14:m>
                   <m:oMath xmlns:m="http://schemas.openxmlformats.org/officeDocument/2006/math">
                     <m:r>
-                      <a:rPr lang="en-US" i="1"/>
+                      <a:rPr lang="en-US" i="1">
+                        <a:latin typeface="Cambria Math" panose="02040503050406030204" pitchFamily="18" charset="0"/>
+                      </a:rPr>
                       <m:t>𝑖</m:t>
                     </m:r>
                   </m:oMath>
@@ -5302,7 +5447,9 @@
                 <a14:m>
                   <m:oMath xmlns:m="http://schemas.openxmlformats.org/officeDocument/2006/math">
                     <m:r>
-                      <a:rPr lang="en-SG" i="1"/>
+                      <a:rPr lang="en-SG" i="1">
+                        <a:latin typeface="Cambria Math" panose="02040503050406030204" pitchFamily="18" charset="0"/>
+                      </a:rPr>
                       <m:t>𝑖</m:t>
                     </m:r>
                   </m:oMath>
@@ -5314,7 +5461,9 @@
                 <a14:m>
                   <m:oMath xmlns:m="http://schemas.openxmlformats.org/officeDocument/2006/math">
                     <m:r>
-                      <a:rPr lang="en-SG" i="1"/>
+                      <a:rPr lang="en-SG" i="1">
+                        <a:latin typeface="Cambria Math" panose="02040503050406030204" pitchFamily="18" charset="0"/>
+                      </a:rPr>
                       <m:t>𝑗</m:t>
                     </m:r>
                   </m:oMath>
@@ -5329,41 +5478,55 @@
                 <a14:m>
                   <m:oMath xmlns:m="http://schemas.openxmlformats.org/officeDocument/2006/math">
                     <m:r>
-                      <a:rPr lang="en-SG" i="1"/>
+                      <a:rPr lang="en-SG" i="1">
+                        <a:latin typeface="Cambria Math" panose="02040503050406030204" pitchFamily="18" charset="0"/>
+                      </a:rPr>
                       <m:t>𝑆</m:t>
                     </m:r>
                     <m:d>
                       <m:dPr>
                         <m:ctrlPr>
-                          <a:rPr lang="ar-AE" i="1"/>
+                          <a:rPr lang="ar-AE" i="1">
+                            <a:latin typeface="Cambria Math" panose="02040503050406030204" pitchFamily="18" charset="0"/>
+                          </a:rPr>
                         </m:ctrlPr>
                       </m:dPr>
                       <m:e>
                         <m:r>
-                          <a:rPr lang="ar-AE" i="1"/>
+                          <a:rPr lang="ar-AE" i="1">
+                            <a:latin typeface="Cambria Math" panose="02040503050406030204" pitchFamily="18" charset="0"/>
+                          </a:rPr>
                           <m:t>𝑖</m:t>
                         </m:r>
                       </m:e>
                     </m:d>
                     <m:r>
-                      <a:rPr lang="ar-AE"/>
+                      <a:rPr lang="ar-AE">
+                        <a:latin typeface="Cambria Math" panose="02040503050406030204" pitchFamily="18" charset="0"/>
+                      </a:rPr>
                       <m:t>=</m:t>
                     </m:r>
                     <m:f>
                       <m:fPr>
                         <m:ctrlPr>
-                          <a:rPr lang="ar-AE" i="1"/>
+                          <a:rPr lang="ar-AE" i="1">
+                            <a:latin typeface="Cambria Math" panose="02040503050406030204" pitchFamily="18" charset="0"/>
+                          </a:rPr>
                         </m:ctrlPr>
                       </m:fPr>
                       <m:num>
                         <m:r>
-                          <a:rPr lang="ar-AE"/>
+                          <a:rPr lang="ar-AE">
+                            <a:latin typeface="Cambria Math" panose="02040503050406030204" pitchFamily="18" charset="0"/>
+                          </a:rPr>
                           <m:t>1</m:t>
                         </m:r>
                       </m:num>
                       <m:den>
                         <m:r>
-                          <a:rPr lang="ar-AE" i="1"/>
+                          <a:rPr lang="ar-AE" i="1">
+                            <a:latin typeface="Cambria Math" panose="02040503050406030204" pitchFamily="18" charset="0"/>
+                          </a:rPr>
                           <m:t>𝑁</m:t>
                         </m:r>
                       </m:den>
@@ -5373,32 +5536,44 @@
                         <m:chr m:val="∑"/>
                         <m:grow m:val="on"/>
                         <m:ctrlPr>
-                          <a:rPr lang="ar-AE" i="1"/>
+                          <a:rPr lang="ar-AE" i="1">
+                            <a:latin typeface="Cambria Math" panose="02040503050406030204" pitchFamily="18" charset="0"/>
+                          </a:rPr>
                         </m:ctrlPr>
                       </m:naryPr>
                       <m:sub>
                         <m:r>
-                          <a:rPr lang="ar-AE" i="1"/>
+                          <a:rPr lang="ar-AE" i="1">
+                            <a:latin typeface="Cambria Math" panose="02040503050406030204" pitchFamily="18" charset="0"/>
+                          </a:rPr>
                           <m:t>𝑗</m:t>
                         </m:r>
                         <m:r>
-                          <a:rPr lang="ar-AE"/>
+                          <a:rPr lang="ar-AE">
+                            <a:latin typeface="Cambria Math" panose="02040503050406030204" pitchFamily="18" charset="0"/>
+                          </a:rPr>
                           <m:t>=</m:t>
                         </m:r>
                         <m:r>
-                          <a:rPr lang="ar-AE"/>
+                          <a:rPr lang="ar-AE">
+                            <a:latin typeface="Cambria Math" panose="02040503050406030204" pitchFamily="18" charset="0"/>
+                          </a:rPr>
                           <m:t>1</m:t>
                         </m:r>
                       </m:sub>
                       <m:sup>
                         <m:r>
-                          <a:rPr lang="ar-AE" i="1"/>
+                          <a:rPr lang="ar-AE" i="1">
+                            <a:latin typeface="Cambria Math" panose="02040503050406030204" pitchFamily="18" charset="0"/>
+                          </a:rPr>
                           <m:t>𝑁</m:t>
                         </m:r>
                       </m:sup>
                       <m:e>
                         <m:r>
-                          <a:rPr lang="ar-AE"/>
+                          <a:rPr lang="ar-AE">
+                            <a:latin typeface="Cambria Math" panose="02040503050406030204" pitchFamily="18" charset="0"/>
+                          </a:rPr>
                           <m:t>𝔼</m:t>
                         </m:r>
                       </m:e>
@@ -5408,77 +5583,103 @@
                         <m:begChr m:val="["/>
                         <m:endChr m:val="]"/>
                         <m:ctrlPr>
-                          <a:rPr lang="ar-AE" i="1"/>
+                          <a:rPr lang="ar-AE" i="1">
+                            <a:latin typeface="Cambria Math" panose="02040503050406030204" pitchFamily="18" charset="0"/>
+                          </a:rPr>
                         </m:ctrlPr>
                       </m:dPr>
                       <m:e>
                         <m:f>
                           <m:fPr>
                             <m:ctrlPr>
-                              <a:rPr lang="ar-AE" i="1"/>
+                              <a:rPr lang="ar-AE" i="1">
+                                <a:latin typeface="Cambria Math" panose="02040503050406030204" pitchFamily="18" charset="0"/>
+                              </a:rPr>
                             </m:ctrlPr>
                           </m:fPr>
                           <m:num>
                             <m:r>
-                              <a:rPr lang="ar-AE"/>
+                              <a:rPr lang="ar-AE">
+                                <a:latin typeface="Cambria Math" panose="02040503050406030204" pitchFamily="18" charset="0"/>
+                              </a:rPr>
                               <m:t>1</m:t>
                             </m:r>
                           </m:num>
                           <m:den>
                             <m:r>
-                              <a:rPr lang="ar-AE"/>
+                              <a:rPr lang="ar-AE">
+                                <a:latin typeface="Cambria Math" panose="02040503050406030204" pitchFamily="18" charset="0"/>
+                              </a:rPr>
                               <m:t>1</m:t>
                             </m:r>
                             <m:r>
-                              <a:rPr lang="ar-AE"/>
+                              <a:rPr lang="ar-AE">
+                                <a:latin typeface="Cambria Math" panose="02040503050406030204" pitchFamily="18" charset="0"/>
+                              </a:rPr>
                               <m:t>+</m:t>
                             </m:r>
                             <m:d>
                               <m:dPr>
                                 <m:endChr m:val=""/>
                                 <m:ctrlPr>
-                                  <a:rPr lang="ar-AE" i="1"/>
+                                  <a:rPr lang="ar-AE" i="1">
+                                    <a:latin typeface="Cambria Math" panose="02040503050406030204" pitchFamily="18" charset="0"/>
+                                  </a:rPr>
                                 </m:ctrlPr>
                               </m:dPr>
                               <m:e>
                                 <m:sSub>
                                   <m:sSubPr>
                                     <m:ctrlPr>
-                                      <a:rPr lang="ar-AE" i="1"/>
+                                      <a:rPr lang="ar-AE" i="1">
+                                        <a:latin typeface="Cambria Math" panose="02040503050406030204" pitchFamily="18" charset="0"/>
+                                      </a:rPr>
                                     </m:ctrlPr>
                                   </m:sSubPr>
                                   <m:e>
                                     <m:r>
-                                      <a:rPr lang="ar-AE" i="1"/>
+                                      <a:rPr lang="ar-AE" i="1">
+                                        <a:latin typeface="Cambria Math" panose="02040503050406030204" pitchFamily="18" charset="0"/>
+                                      </a:rPr>
                                       <m:t>𝑑</m:t>
                                     </m:r>
                                   </m:e>
                                   <m:sub>
                                     <m:r>
-                                      <a:rPr lang="ar-AE" i="1"/>
+                                      <a:rPr lang="ar-AE" i="1">
+                                        <a:latin typeface="Cambria Math" panose="02040503050406030204" pitchFamily="18" charset="0"/>
+                                      </a:rPr>
                                       <m:t>𝑖𝑗</m:t>
                                     </m:r>
                                   </m:sub>
                                 </m:sSub>
                                 <m:r>
-                                  <a:rPr lang="ar-AE"/>
+                                  <a:rPr lang="ar-AE">
+                                    <a:latin typeface="Cambria Math" panose="02040503050406030204" pitchFamily="18" charset="0"/>
+                                  </a:rPr>
                                   <m:t>/</m:t>
                                 </m:r>
                                 <m:sSub>
                                   <m:sSubPr>
                                     <m:ctrlPr>
-                                      <a:rPr lang="ar-AE" i="1"/>
+                                      <a:rPr lang="ar-AE" i="1">
+                                        <a:latin typeface="Cambria Math" panose="02040503050406030204" pitchFamily="18" charset="0"/>
+                                      </a:rPr>
                                     </m:ctrlPr>
                                   </m:sSubPr>
                                   <m:e>
                                     <m:r>
-                                      <a:rPr lang="ar-AE" i="1"/>
+                                      <a:rPr lang="ar-AE" i="1">
+                                        <a:latin typeface="Cambria Math" panose="02040503050406030204" pitchFamily="18" charset="0"/>
+                                      </a:rPr>
                                       <m:t>𝑑</m:t>
                                     </m:r>
                                   </m:e>
                                   <m:sub>
                                     <m:r>
-                                      <a:rPr lang="ar-AE"/>
+                                      <a:rPr lang="ar-AE">
+                                        <a:latin typeface="Cambria Math" panose="02040503050406030204" pitchFamily="18" charset="0"/>
+                                      </a:rPr>
                                       <m:t>0</m:t>
                                     </m:r>
                                   </m:sub>
@@ -5486,7 +5687,9 @@
                                 <m:sSup>
                                   <m:sSupPr>
                                     <m:ctrlPr>
-                                      <a:rPr lang="ar-AE" i="1"/>
+                                      <a:rPr lang="ar-AE" i="1">
+                                        <a:latin typeface="Cambria Math" panose="02040503050406030204" pitchFamily="18" charset="0"/>
+                                      </a:rPr>
                                     </m:ctrlPr>
                                   </m:sSupPr>
                                   <m:e>
@@ -5495,12 +5698,16 @@
                                         <m:begChr m:val=""/>
                                         <m:endChr m:val=""/>
                                         <m:ctrlPr>
-                                          <a:rPr lang="ar-AE" i="1"/>
+                                          <a:rPr lang="ar-AE" i="1">
+                                            <a:latin typeface="Cambria Math" panose="02040503050406030204" pitchFamily="18" charset="0"/>
+                                          </a:rPr>
                                         </m:ctrlPr>
                                       </m:dPr>
                                       <m:e>
                                         <m:r>
-                                          <a:rPr lang="ar-AE"/>
+                                          <a:rPr lang="ar-AE">
+                                            <a:latin typeface="Cambria Math" panose="02040503050406030204" pitchFamily="18" charset="0"/>
+                                          </a:rPr>
                                           <m:t>)</m:t>
                                         </m:r>
                                       </m:e>
@@ -5508,7 +5715,9 @@
                                   </m:e>
                                   <m:sup>
                                     <m:r>
-                                      <a:rPr lang="ar-AE"/>
+                                      <a:rPr lang="ar-AE">
+                                        <a:latin typeface="Cambria Math" panose="02040503050406030204" pitchFamily="18" charset="0"/>
+                                      </a:rPr>
                                       <m:t>2</m:t>
                                     </m:r>
                                   </m:sup>
@@ -5532,18 +5741,24 @@
                 <a14:m>
                   <m:oMath xmlns:m="http://schemas.openxmlformats.org/officeDocument/2006/math">
                     <m:r>
-                      <a:rPr lang="en-SG" i="1"/>
+                      <a:rPr lang="en-SG" i="1">
+                        <a:latin typeface="Cambria Math" panose="02040503050406030204" pitchFamily="18" charset="0"/>
+                      </a:rPr>
                       <m:t>𝑆</m:t>
                     </m:r>
                     <m:d>
                       <m:dPr>
                         <m:ctrlPr>
-                          <a:rPr lang="ar-AE" i="1"/>
+                          <a:rPr lang="ar-AE" i="1">
+                            <a:latin typeface="Cambria Math" panose="02040503050406030204" pitchFamily="18" charset="0"/>
+                          </a:rPr>
                         </m:ctrlPr>
                       </m:dPr>
                       <m:e>
                         <m:r>
-                          <a:rPr lang="ar-AE" i="1"/>
+                          <a:rPr lang="ar-AE" i="1">
+                            <a:latin typeface="Cambria Math" panose="02040503050406030204" pitchFamily="18" charset="0"/>
+                          </a:rPr>
                           <m:t>𝑖</m:t>
                         </m:r>
                       </m:e>
@@ -5588,20 +5803,26 @@
                       <m:t>pTM</m:t>
                     </m:r>
                     <m:r>
-                      <a:rPr lang="en-SG"/>
+                      <a:rPr lang="en-SG">
+                        <a:latin typeface="Cambria Math" panose="02040503050406030204" pitchFamily="18" charset="0"/>
+                      </a:rPr>
                       <m:t>=</m:t>
                     </m:r>
                     <m:limLow>
                       <m:limLowPr>
                         <m:ctrlPr>
-                          <a:rPr lang="ar-AE" i="1"/>
+                          <a:rPr lang="ar-AE" i="1">
+                            <a:latin typeface="Cambria Math" panose="02040503050406030204" pitchFamily="18" charset="0"/>
+                          </a:rPr>
                         </m:ctrlPr>
                       </m:limLowPr>
                       <m:e>
                         <m:func>
                           <m:funcPr>
                             <m:ctrlPr>
-                              <a:rPr lang="ar-AE" i="1"/>
+                              <a:rPr lang="ar-AE" i="1">
+                                <a:latin typeface="Cambria Math" panose="02040503050406030204" pitchFamily="18" charset="0"/>
+                              </a:rPr>
                             </m:ctrlPr>
                           </m:funcPr>
                           <m:fName>
@@ -5609,7 +5830,9 @@
                               <m:rPr>
                                 <m:sty m:val="p"/>
                               </m:rPr>
-                              <a:rPr lang="en-SG"/>
+                              <a:rPr lang="en-SG">
+                                <a:latin typeface="Cambria Math" panose="02040503050406030204" pitchFamily="18" charset="0"/>
+                              </a:rPr>
                               <m:t>max</m:t>
                             </m:r>
                           </m:fName>
@@ -5642,7 +5865,9 @@
                       </m:e>
                       <m:lim>
                         <m:r>
-                          <a:rPr lang="ar-AE" i="1"/>
+                          <a:rPr lang="ar-AE" i="1">
+                            <a:latin typeface="Cambria Math" panose="02040503050406030204" pitchFamily="18" charset="0"/>
+                          </a:rPr>
                           <m:t>𝑖</m:t>
                         </m:r>
                       </m:lim>
@@ -5724,7 +5949,7 @@
               <a:blipFill>
                 <a:blip r:embed="rId2"/>
                 <a:stretch>
-                  <a:fillRect l="-1043" t="-3501" r="-232"/>
+                  <a:fillRect l="-1043" t="-2801" r="-232" b="-2661"/>
                 </a:stretch>
               </a:blipFill>
             </p:spPr>
@@ -6583,7 +6808,7 @@
           <p:cNvPr id="2" name="Title 1">
             <a:extLst>
               <a:ext uri="{FF2B5EF4-FFF2-40B4-BE49-F238E27FC236}">
-                <a16:creationId xmlns:a16="http://schemas.microsoft.com/office/drawing/2014/main" id="{1360F60B-7B4F-BF03-51A7-249513FABA02}"/>
+                <a16:creationId xmlns:a16="http://schemas.microsoft.com/office/drawing/2014/main" id="{404E34A2-E6B7-1999-CEEE-1156E359426B}"/>
               </a:ext>
             </a:extLst>
           </p:cNvPr>
@@ -6601,7 +6826,7 @@
           <a:p>
             <a:r>
               <a:rPr lang="en-SG" dirty="0"/>
-              <a:t>Literature review of New Protein Design Methods</a:t>
+              <a:t>Possible Limitations</a:t>
             </a:r>
           </a:p>
         </p:txBody>
@@ -6611,7 +6836,7 @@
           <p:cNvPr id="3" name="Content Placeholder 2">
             <a:extLst>
               <a:ext uri="{FF2B5EF4-FFF2-40B4-BE49-F238E27FC236}">
-                <a16:creationId xmlns:a16="http://schemas.microsoft.com/office/drawing/2014/main" id="{C75C9985-5D0A-2108-37FF-74BEE152D849}"/>
+                <a16:creationId xmlns:a16="http://schemas.microsoft.com/office/drawing/2014/main" id="{D2ED6C62-2636-1F16-A46F-F5854D9099E0}"/>
               </a:ext>
             </a:extLst>
           </p:cNvPr>
@@ -6624,44 +6849,23 @@
         </p:nvSpPr>
         <p:spPr/>
         <p:txBody>
-          <a:bodyPr>
-            <a:normAutofit/>
-          </a:bodyPr>
+          <a:bodyPr/>
           <a:lstStyle/>
           <a:p>
             <a:r>
               <a:rPr lang="en-SG" dirty="0"/>
-              <a:t>Literature Review focusing on new Protein Design methods that justify their improvement using AF confidence metrics (</a:t>
-            </a:r>
-            <a:r>
-              <a:rPr lang="en-SG" dirty="0" err="1"/>
-              <a:t>pLDDT</a:t>
-            </a:r>
+              <a:t>Confidence metrics depend on AlphaFold’s training data</a:t>
+            </a:r>
+          </a:p>
+          <a:p>
+            <a:pPr lvl="1"/>
             <a:r>
               <a:rPr lang="en-SG" dirty="0"/>
-              <a:t>, </a:t>
-            </a:r>
-            <a:r>
-              <a:rPr lang="en-SG" dirty="0" err="1"/>
-              <a:t>ipTM</a:t>
-            </a:r>
-            <a:r>
-              <a:rPr lang="en-SG" dirty="0"/>
-              <a:t>)</a:t>
-            </a:r>
-          </a:p>
-          <a:p>
-            <a:r>
-              <a:rPr lang="en-SG" dirty="0"/>
-              <a:t>If many publications at top venues report improvements using AF metrics, it should be fine for </a:t>
-            </a:r>
-            <a:r>
-              <a:rPr lang="en-SG" dirty="0" err="1"/>
-              <a:t>MutaCraft</a:t>
-            </a:r>
-            <a:r>
-              <a:rPr lang="en-SG" dirty="0"/>
-              <a:t> to do so as well</a:t>
+              <a:t>May not be as good for de </a:t>
+            </a:r>
+            <a:r>
+              <a:rPr lang="en-SG"/>
+              <a:t>novo proteins</a:t>
             </a:r>
           </a:p>
         </p:txBody>
@@ -6669,7 +6873,7 @@
     </p:spTree>
     <p:extLst>
       <p:ext uri="{BB962C8B-B14F-4D97-AF65-F5344CB8AC3E}">
-        <p14:creationId xmlns:p14="http://schemas.microsoft.com/office/powerpoint/2010/main" val="2202848469"/>
+        <p14:creationId xmlns:p14="http://schemas.microsoft.com/office/powerpoint/2010/main" val="2938310848"/>
       </p:ext>
     </p:extLst>
   </p:cSld>
@@ -6701,7 +6905,7 @@
           <p:cNvPr id="2" name="Title 1">
             <a:extLst>
               <a:ext uri="{FF2B5EF4-FFF2-40B4-BE49-F238E27FC236}">
-                <a16:creationId xmlns:a16="http://schemas.microsoft.com/office/drawing/2014/main" id="{487442FD-60C9-8270-CCB0-EFCDB1C89A54}"/>
+                <a16:creationId xmlns:a16="http://schemas.microsoft.com/office/drawing/2014/main" id="{1360F60B-7B4F-BF03-51A7-249513FABA02}"/>
               </a:ext>
             </a:extLst>
           </p:cNvPr>
@@ -6710,6 +6914,34 @@
           </p:cNvSpPr>
           <p:nvPr>
             <p:ph type="title"/>
+          </p:nvPr>
+        </p:nvSpPr>
+        <p:spPr/>
+        <p:txBody>
+          <a:bodyPr/>
+          <a:lstStyle/>
+          <a:p>
+            <a:r>
+              <a:rPr lang="en-SG" dirty="0"/>
+              <a:t>Literature review of New Protein Design Methods</a:t>
+            </a:r>
+          </a:p>
+        </p:txBody>
+      </p:sp>
+      <p:sp>
+        <p:nvSpPr>
+          <p:cNvPr id="3" name="Content Placeholder 2">
+            <a:extLst>
+              <a:ext uri="{FF2B5EF4-FFF2-40B4-BE49-F238E27FC236}">
+                <a16:creationId xmlns:a16="http://schemas.microsoft.com/office/drawing/2014/main" id="{C75C9985-5D0A-2108-37FF-74BEE152D849}"/>
+              </a:ext>
+            </a:extLst>
+          </p:cNvPr>
+          <p:cNvSpPr>
+            <a:spLocks noGrp="1"/>
+          </p:cNvSpPr>
+          <p:nvPr>
+            <p:ph idx="1"/>
           </p:nvPr>
         </p:nvSpPr>
         <p:spPr/>
@@ -6720,152 +6952,46 @@
           <a:lstStyle/>
           <a:p>
             <a:r>
+              <a:rPr lang="en-SG" dirty="0"/>
+              <a:t>Literature Review focusing on new Protein Design methods that justify their improvement using AF confidence metrics (</a:t>
+            </a:r>
+            <a:r>
               <a:rPr lang="en-SG" dirty="0" err="1"/>
-              <a:t>PepPrCLIP</a:t>
+              <a:t>pLDDT</a:t>
             </a:r>
             <a:r>
               <a:rPr lang="en-SG" dirty="0"/>
-              <a:t> </a:t>
-            </a:r>
-            <a:br>
+              <a:t>, </a:t>
+            </a:r>
+            <a:r>
+              <a:rPr lang="en-SG" dirty="0" err="1"/>
+              <a:t>ipTM</a:t>
+            </a:r>
+            <a:r>
               <a:rPr lang="en-SG" dirty="0"/>
-            </a:br>
-            <a:r>
-              <a:rPr lang="en-US" i="1" dirty="0"/>
-              <a:t>Science Advances 2025</a:t>
-            </a:r>
-            <a:endParaRPr lang="en-SG" dirty="0"/>
-          </a:p>
-        </p:txBody>
-      </p:sp>
-      <p:sp>
-        <p:nvSpPr>
-          <p:cNvPr id="3" name="Content Placeholder 2">
-            <a:extLst>
-              <a:ext uri="{FF2B5EF4-FFF2-40B4-BE49-F238E27FC236}">
-                <a16:creationId xmlns:a16="http://schemas.microsoft.com/office/drawing/2014/main" id="{D5D73B0A-739B-8BE8-0DA6-7DCA053F9164}"/>
-              </a:ext>
-            </a:extLst>
-          </p:cNvPr>
-          <p:cNvSpPr>
-            <a:spLocks noGrp="1"/>
-          </p:cNvSpPr>
-          <p:nvPr>
-            <p:ph idx="1"/>
-          </p:nvPr>
-        </p:nvSpPr>
-        <p:spPr/>
-        <p:txBody>
-          <a:bodyPr/>
-          <a:lstStyle/>
-          <a:p>
+              <a:t>)</a:t>
+            </a:r>
+          </a:p>
+          <a:p>
+            <a:r>
+              <a:rPr lang="en-SG" dirty="0"/>
+              <a:t>If many publications at top venues report improvements using AF metrics, it should be fine for </a:t>
+            </a:r>
             <a:r>
               <a:rPr lang="en-SG" dirty="0" err="1"/>
-              <a:t>PepPrCLIP</a:t>
+              <a:t>MutaCraft</a:t>
             </a:r>
             <a:r>
               <a:rPr lang="en-SG" dirty="0"/>
-              <a:t> is a peptide design pipeline</a:t>
-            </a:r>
-          </a:p>
-          <a:p>
-            <a:r>
-              <a:rPr lang="en-US" dirty="0"/>
-              <a:t>Compares its binders to </a:t>
-            </a:r>
-            <a:r>
-              <a:rPr lang="en-US" dirty="0" err="1"/>
-              <a:t>RFDiffusion’s</a:t>
-            </a:r>
-            <a:r>
-              <a:rPr lang="en-US" dirty="0"/>
-              <a:t> using AFM’s </a:t>
-            </a:r>
-            <a:r>
-              <a:rPr lang="en-US" dirty="0" err="1"/>
-              <a:t>ipTM</a:t>
-            </a:r>
-            <a:endParaRPr lang="en-US" dirty="0"/>
-          </a:p>
-          <a:p>
-            <a:pPr lvl="1"/>
-            <a:r>
-              <a:rPr lang="en-US" dirty="0"/>
-              <a:t>An example of a publication at a top venue that uses </a:t>
-            </a:r>
-            <a:r>
-              <a:rPr lang="en-US" dirty="0" err="1"/>
-              <a:t>ipTM</a:t>
-            </a:r>
-            <a:r>
-              <a:rPr lang="en-US" dirty="0"/>
-              <a:t> to show it’s better than a previous approach</a:t>
-            </a:r>
-          </a:p>
-        </p:txBody>
-      </p:sp>
-      <p:sp>
-        <p:nvSpPr>
-          <p:cNvPr id="4" name="TextBox 3">
-            <a:extLst>
-              <a:ext uri="{FF2B5EF4-FFF2-40B4-BE49-F238E27FC236}">
-                <a16:creationId xmlns:a16="http://schemas.microsoft.com/office/drawing/2014/main" id="{09B4E93B-7AD4-E1A0-BD99-C4F5B00298E7}"/>
-              </a:ext>
-            </a:extLst>
-          </p:cNvPr>
-          <p:cNvSpPr txBox="1"/>
-          <p:nvPr/>
-        </p:nvSpPr>
-        <p:spPr>
-          <a:xfrm>
-            <a:off x="271670" y="5943600"/>
-            <a:ext cx="7210179" cy="830997"/>
-          </a:xfrm>
-          <a:prstGeom prst="rect">
-            <a:avLst/>
-          </a:prstGeom>
-          <a:noFill/>
-        </p:spPr>
-        <p:txBody>
-          <a:bodyPr wrap="none" rtlCol="0">
-            <a:spAutoFit/>
-          </a:bodyPr>
-          <a:lstStyle/>
-          <a:p>
-            <a:r>
-              <a:rPr lang="en-US" sz="1200" dirty="0"/>
-              <a:t>De novo design of peptide binders to conformationally diverse targets with contrastive language modeling </a:t>
-            </a:r>
-            <a:r>
-              <a:rPr lang="en-US" sz="1200" i="1" dirty="0"/>
-              <a:t> </a:t>
-            </a:r>
-          </a:p>
-          <a:p>
-            <a:r>
-              <a:rPr lang="en-US" sz="1200" i="1" dirty="0"/>
-              <a:t>Science Advances </a:t>
-            </a:r>
-            <a:r>
-              <a:rPr lang="en-US" sz="1200" dirty="0"/>
-              <a:t>(Jan 2025)</a:t>
-            </a:r>
-          </a:p>
-          <a:p>
-            <a:r>
-              <a:rPr lang="en-SG" sz="1200" dirty="0"/>
-              <a:t>https://www.science.org/doi/10.1126/sciadv.adr8638</a:t>
-            </a:r>
-          </a:p>
-          <a:p>
-            <a:endParaRPr lang="en-SG" sz="1200" dirty="0"/>
+              <a:t> to do so as well</a:t>
+            </a:r>
           </a:p>
         </p:txBody>
       </p:sp>
     </p:spTree>
     <p:extLst>
       <p:ext uri="{BB962C8B-B14F-4D97-AF65-F5344CB8AC3E}">
-        <p14:creationId xmlns:p14="http://schemas.microsoft.com/office/powerpoint/2010/main" val="2356810496"/>
+        <p14:creationId xmlns:p14="http://schemas.microsoft.com/office/powerpoint/2010/main" val="2202848469"/>
       </p:ext>
     </p:extLst>
   </p:cSld>
@@ -6897,7 +7023,7 @@
           <p:cNvPr id="2" name="Title 1">
             <a:extLst>
               <a:ext uri="{FF2B5EF4-FFF2-40B4-BE49-F238E27FC236}">
-                <a16:creationId xmlns:a16="http://schemas.microsoft.com/office/drawing/2014/main" id="{FB6024CD-567C-6865-72E0-131B4DCA3537}"/>
+                <a16:creationId xmlns:a16="http://schemas.microsoft.com/office/drawing/2014/main" id="{487442FD-60C9-8270-CCB0-EFCDB1C89A54}"/>
               </a:ext>
             </a:extLst>
           </p:cNvPr>
@@ -6910,12 +7036,14 @@
         </p:nvSpPr>
         <p:spPr/>
         <p:txBody>
-          <a:bodyPr/>
+          <a:bodyPr>
+            <a:normAutofit/>
+          </a:bodyPr>
           <a:lstStyle/>
           <a:p>
             <a:r>
               <a:rPr lang="en-SG" dirty="0" err="1"/>
-              <a:t>BindCraft</a:t>
+              <a:t>PepPrCLIP</a:t>
             </a:r>
             <a:r>
               <a:rPr lang="en-SG" dirty="0"/>
@@ -6925,86 +7053,141 @@
               <a:rPr lang="en-SG" dirty="0"/>
             </a:br>
             <a:r>
-              <a:rPr lang="en-SG" i="1" dirty="0"/>
-              <a:t>Nature</a:t>
+              <a:rPr lang="en-US" i="1" dirty="0"/>
+              <a:t>Science Advances 2025</a:t>
+            </a:r>
+            <a:endParaRPr lang="en-SG" dirty="0"/>
+          </a:p>
+        </p:txBody>
+      </p:sp>
+      <p:sp>
+        <p:nvSpPr>
+          <p:cNvPr id="3" name="Content Placeholder 2">
+            <a:extLst>
+              <a:ext uri="{FF2B5EF4-FFF2-40B4-BE49-F238E27FC236}">
+                <a16:creationId xmlns:a16="http://schemas.microsoft.com/office/drawing/2014/main" id="{D5D73B0A-739B-8BE8-0DA6-7DCA053F9164}"/>
+              </a:ext>
+            </a:extLst>
+          </p:cNvPr>
+          <p:cNvSpPr>
+            <a:spLocks noGrp="1"/>
+          </p:cNvSpPr>
+          <p:nvPr>
+            <p:ph idx="1"/>
+          </p:nvPr>
+        </p:nvSpPr>
+        <p:spPr/>
+        <p:txBody>
+          <a:bodyPr/>
+          <a:lstStyle/>
+          <a:p>
+            <a:r>
+              <a:rPr lang="en-SG" dirty="0" err="1"/>
+              <a:t>PepPrCLIP</a:t>
             </a:r>
             <a:r>
               <a:rPr lang="en-SG" dirty="0"/>
-              <a:t> 2025</a:t>
-            </a:r>
-          </a:p>
-        </p:txBody>
-      </p:sp>
-      <p:sp>
-        <p:nvSpPr>
-          <p:cNvPr id="3" name="Content Placeholder 2">
-            <a:extLst>
-              <a:ext uri="{FF2B5EF4-FFF2-40B4-BE49-F238E27FC236}">
-                <a16:creationId xmlns:a16="http://schemas.microsoft.com/office/drawing/2014/main" id="{835A69B6-CA82-4025-11F2-002642E5283F}"/>
-              </a:ext>
-            </a:extLst>
-          </p:cNvPr>
-          <p:cNvSpPr>
-            <a:spLocks noGrp="1"/>
-          </p:cNvSpPr>
-          <p:nvPr>
-            <p:ph idx="1"/>
-          </p:nvPr>
-        </p:nvSpPr>
-        <p:spPr/>
-        <p:txBody>
-          <a:bodyPr/>
-          <a:lstStyle/>
-          <a:p>
-            <a:r>
-              <a:rPr lang="en-US" dirty="0"/>
-              <a:t>Designed binders were filtered using AF2 metrics (including </a:t>
+              <a:t> is a peptide design pipeline</a:t>
+            </a:r>
+          </a:p>
+          <a:p>
+            <a:r>
+              <a:rPr lang="en-US" dirty="0"/>
+              <a:t>Compares its binders to </a:t>
             </a:r>
             <a:r>
               <a:rPr lang="en-US" dirty="0" err="1"/>
-              <a:t>pLDDT</a:t>
-            </a:r>
-            <a:r>
-              <a:rPr lang="en-US" dirty="0"/>
-              <a:t> &amp; </a:t>
+              <a:t>RFDiffusion’s</a:t>
+            </a:r>
+            <a:r>
+              <a:rPr lang="en-US" dirty="0"/>
+              <a:t> using AFM’s </a:t>
             </a:r>
             <a:r>
               <a:rPr lang="en-US" dirty="0" err="1"/>
               <a:t>ipTM</a:t>
             </a:r>
-            <a:r>
-              <a:rPr lang="en-US" dirty="0"/>
-              <a:t>)</a:t>
-            </a:r>
-          </a:p>
-          <a:p>
-            <a:r>
-              <a:rPr lang="en-SG" dirty="0"/>
-              <a:t>Binders were experimentally validated, showing a correlation b/w </a:t>
-            </a:r>
-            <a:r>
-              <a:rPr lang="en-SG" dirty="0" err="1"/>
-              <a:t>pLDDT</a:t>
-            </a:r>
-            <a:r>
-              <a:rPr lang="en-SG" dirty="0"/>
-              <a:t> &amp; </a:t>
-            </a:r>
-            <a:r>
-              <a:rPr lang="en-SG" dirty="0" err="1"/>
+            <a:endParaRPr lang="en-US" dirty="0"/>
+          </a:p>
+          <a:p>
+            <a:pPr lvl="1"/>
+            <a:r>
+              <a:rPr lang="en-US" dirty="0"/>
+              <a:t>An example of a publication at a top venue that uses </a:t>
+            </a:r>
+            <a:r>
+              <a:rPr lang="en-US" dirty="0" err="1"/>
               <a:t>ipTM</a:t>
             </a:r>
             <a:r>
-              <a:rPr lang="en-SG" dirty="0"/>
-              <a:t> and better experimental binding affinity</a:t>
-            </a:r>
+              <a:rPr lang="en-US" dirty="0"/>
+              <a:t> to show it’s better than a previous approach</a:t>
+            </a:r>
+          </a:p>
+        </p:txBody>
+      </p:sp>
+      <p:sp>
+        <p:nvSpPr>
+          <p:cNvPr id="4" name="TextBox 3">
+            <a:extLst>
+              <a:ext uri="{FF2B5EF4-FFF2-40B4-BE49-F238E27FC236}">
+                <a16:creationId xmlns:a16="http://schemas.microsoft.com/office/drawing/2014/main" id="{09B4E93B-7AD4-E1A0-BD99-C4F5B00298E7}"/>
+              </a:ext>
+            </a:extLst>
+          </p:cNvPr>
+          <p:cNvSpPr txBox="1"/>
+          <p:nvPr/>
+        </p:nvSpPr>
+        <p:spPr>
+          <a:xfrm>
+            <a:off x="271670" y="5943600"/>
+            <a:ext cx="7210179" cy="830997"/>
+          </a:xfrm>
+          <a:prstGeom prst="rect">
+            <a:avLst/>
+          </a:prstGeom>
+          <a:noFill/>
+        </p:spPr>
+        <p:txBody>
+          <a:bodyPr wrap="none" rtlCol="0">
+            <a:spAutoFit/>
+          </a:bodyPr>
+          <a:lstStyle/>
+          <a:p>
+            <a:r>
+              <a:rPr lang="en-US" sz="1200" dirty="0"/>
+              <a:t>De novo design of peptide binders to conformationally diverse targets with contrastive language modeling </a:t>
+            </a:r>
+            <a:r>
+              <a:rPr lang="en-US" sz="1200" i="1" dirty="0"/>
+              <a:t> </a:t>
+            </a:r>
+          </a:p>
+          <a:p>
+            <a:r>
+              <a:rPr lang="en-US" sz="1200" i="1" dirty="0"/>
+              <a:t>Science Advances </a:t>
+            </a:r>
+            <a:r>
+              <a:rPr lang="en-US" sz="1200" dirty="0"/>
+              <a:t>(Jan 2025)</a:t>
+            </a:r>
+          </a:p>
+          <a:p>
+            <a:r>
+              <a:rPr lang="en-SG" sz="1200" dirty="0"/>
+              <a:t>https://www.science.org/doi/10.1126/sciadv.adr8638</a:t>
+            </a:r>
+          </a:p>
+          <a:p>
+            <a:endParaRPr lang="en-SG" sz="1200" dirty="0"/>
           </a:p>
         </p:txBody>
       </p:sp>
     </p:spTree>
     <p:extLst>
       <p:ext uri="{BB962C8B-B14F-4D97-AF65-F5344CB8AC3E}">
-        <p14:creationId xmlns:p14="http://schemas.microsoft.com/office/powerpoint/2010/main" val="2785798763"/>
+        <p14:creationId xmlns:p14="http://schemas.microsoft.com/office/powerpoint/2010/main" val="2356810496"/>
       </p:ext>
     </p:extLst>
   </p:cSld>
@@ -7036,7 +7219,7 @@
           <p:cNvPr id="2" name="Title 1">
             <a:extLst>
               <a:ext uri="{FF2B5EF4-FFF2-40B4-BE49-F238E27FC236}">
-                <a16:creationId xmlns:a16="http://schemas.microsoft.com/office/drawing/2014/main" id="{A14EBDFE-D91D-F61F-72E0-102F0AB50F51}"/>
+                <a16:creationId xmlns:a16="http://schemas.microsoft.com/office/drawing/2014/main" id="{FB6024CD-567C-6865-72E0-131B4DCA3537}"/>
               </a:ext>
             </a:extLst>
           </p:cNvPr>
@@ -7049,16 +7232,28 @@
         </p:nvSpPr>
         <p:spPr/>
         <p:txBody>
-          <a:bodyPr>
-            <a:normAutofit/>
-          </a:bodyPr>
-          <a:lstStyle/>
-          <a:p>
-            <a:r>
-              <a:rPr lang="en-US" dirty="0" err="1"/>
-              <a:t>PepMLM</a:t>
-            </a:r>
-            <a:endParaRPr lang="en-US" dirty="0"/>
+          <a:bodyPr/>
+          <a:lstStyle/>
+          <a:p>
+            <a:r>
+              <a:rPr lang="en-SG" dirty="0" err="1"/>
+              <a:t>BindCraft</a:t>
+            </a:r>
+            <a:r>
+              <a:rPr lang="en-SG" dirty="0"/>
+              <a:t> </a:t>
+            </a:r>
+            <a:br>
+              <a:rPr lang="en-SG" dirty="0"/>
+            </a:br>
+            <a:r>
+              <a:rPr lang="en-SG" i="1" dirty="0"/>
+              <a:t>Nature</a:t>
+            </a:r>
+            <a:r>
+              <a:rPr lang="en-SG" dirty="0"/>
+              <a:t> 2025</a:t>
+            </a:r>
           </a:p>
         </p:txBody>
       </p:sp>
@@ -7067,7 +7262,7 @@
           <p:cNvPr id="3" name="Content Placeholder 2">
             <a:extLst>
               <a:ext uri="{FF2B5EF4-FFF2-40B4-BE49-F238E27FC236}">
-                <a16:creationId xmlns:a16="http://schemas.microsoft.com/office/drawing/2014/main" id="{04D2EEBE-C093-586D-EDBC-6DF1FD97AE13}"/>
+                <a16:creationId xmlns:a16="http://schemas.microsoft.com/office/drawing/2014/main" id="{835A69B6-CA82-4025-11F2-002642E5283F}"/>
               </a:ext>
             </a:extLst>
           </p:cNvPr>
@@ -7084,16 +7279,8 @@
           <a:lstStyle/>
           <a:p>
             <a:r>
-              <a:rPr lang="en-SG" dirty="0" err="1"/>
-              <a:t>PepMLM</a:t>
-            </a:r>
-            <a:r>
-              <a:rPr lang="en-SG" dirty="0"/>
-              <a:t> used </a:t>
-            </a:r>
-            <a:r>
-              <a:rPr lang="en-US" dirty="0"/>
-              <a:t>AF-based docking metrics including </a:t>
+              <a:rPr lang="en-US" dirty="0"/>
+              <a:t>Designed binders were filtered using AF2 metrics (including </a:t>
             </a:r>
             <a:r>
               <a:rPr lang="en-US" dirty="0" err="1"/>
@@ -7101,90 +7288,37 @@
             </a:r>
             <a:r>
               <a:rPr lang="en-US" dirty="0"/>
-              <a:t> and </a:t>
+              <a:t> &amp; </a:t>
             </a:r>
             <a:r>
               <a:rPr lang="en-US" dirty="0" err="1"/>
               <a:t>ipTM</a:t>
             </a:r>
-            <a:endParaRPr lang="en-US" dirty="0"/>
-          </a:p>
-          <a:p>
-            <a:r>
-              <a:rPr lang="en-US" dirty="0" err="1"/>
+            <a:r>
+              <a:rPr lang="en-US" dirty="0"/>
+              <a:t>)</a:t>
+            </a:r>
+          </a:p>
+          <a:p>
+            <a:r>
+              <a:rPr lang="en-SG" dirty="0"/>
+              <a:t>Binders were experimentally validated, showing a correlation b/w </a:t>
+            </a:r>
+            <a:r>
+              <a:rPr lang="en-SG" dirty="0" err="1"/>
               <a:t>pLDDT</a:t>
             </a:r>
             <a:r>
-              <a:rPr lang="en-US" dirty="0"/>
+              <a:rPr lang="en-SG" dirty="0"/>
               <a:t> &amp; </a:t>
             </a:r>
             <a:r>
-              <a:rPr lang="en-US" dirty="0" err="1"/>
+              <a:rPr lang="en-SG" dirty="0" err="1"/>
               <a:t>ipTM</a:t>
             </a:r>
             <a:r>
-              <a:rPr lang="en-US" dirty="0"/>
-              <a:t>  are “</a:t>
-            </a:r>
-            <a:r>
               <a:rPr lang="en-SG" dirty="0"/>
-              <a:t>verified metrics” that “</a:t>
-            </a:r>
-            <a:r>
-              <a:rPr lang="en-US" dirty="0"/>
-              <a:t>function as critical indicators of the structural integrity and the potential interface binding affinity of the peptide–protein complex”</a:t>
-            </a:r>
-            <a:endParaRPr lang="en-SG" dirty="0"/>
-          </a:p>
-        </p:txBody>
-      </p:sp>
-      <p:sp>
-        <p:nvSpPr>
-          <p:cNvPr id="5" name="TextBox 4">
-            <a:extLst>
-              <a:ext uri="{FF2B5EF4-FFF2-40B4-BE49-F238E27FC236}">
-                <a16:creationId xmlns:a16="http://schemas.microsoft.com/office/drawing/2014/main" id="{6E1AD1B8-832B-8126-0C9F-606114B9E756}"/>
-              </a:ext>
-            </a:extLst>
-          </p:cNvPr>
-          <p:cNvSpPr txBox="1"/>
-          <p:nvPr/>
-        </p:nvSpPr>
-        <p:spPr>
-          <a:xfrm>
-            <a:off x="218661" y="6069496"/>
-            <a:ext cx="6081280" cy="646331"/>
-          </a:xfrm>
-          <a:prstGeom prst="rect">
-            <a:avLst/>
-          </a:prstGeom>
-          <a:noFill/>
-        </p:spPr>
-        <p:txBody>
-          <a:bodyPr wrap="none" rtlCol="0">
-            <a:spAutoFit/>
-          </a:bodyPr>
-          <a:lstStyle/>
-          <a:p>
-            <a:r>
-              <a:rPr lang="en-US" sz="1200" dirty="0"/>
-              <a:t>Target sequence-conditioned design of peptide binders using masked language modeling</a:t>
-            </a:r>
-          </a:p>
-          <a:p>
-            <a:r>
-              <a:rPr lang="en-US" sz="1200" i="1" dirty="0"/>
-              <a:t>Nature Biotechnology </a:t>
-            </a:r>
-            <a:r>
-              <a:rPr lang="en-US" sz="1200" dirty="0"/>
-              <a:t>(Aug 2025)</a:t>
-            </a:r>
-          </a:p>
-          <a:p>
-            <a:r>
-              <a:rPr lang="en-SG" sz="1200" dirty="0"/>
-              <a:t>https://www.nature.com/articles/s41587-025-02761-2</a:t>
+              <a:t> and better experimental binding affinity</a:t>
             </a:r>
           </a:p>
         </p:txBody>
@@ -7192,7 +7326,7 @@
     </p:spTree>
     <p:extLst>
       <p:ext uri="{BB962C8B-B14F-4D97-AF65-F5344CB8AC3E}">
-        <p14:creationId xmlns:p14="http://schemas.microsoft.com/office/powerpoint/2010/main" val="962158544"/>
+        <p14:creationId xmlns:p14="http://schemas.microsoft.com/office/powerpoint/2010/main" val="2785798763"/>
       </p:ext>
     </p:extLst>
   </p:cSld>
@@ -7224,7 +7358,7 @@
           <p:cNvPr id="2" name="Title 1">
             <a:extLst>
               <a:ext uri="{FF2B5EF4-FFF2-40B4-BE49-F238E27FC236}">
-                <a16:creationId xmlns:a16="http://schemas.microsoft.com/office/drawing/2014/main" id="{5D0A9534-5944-60D0-D801-035A35B57D26}"/>
+                <a16:creationId xmlns:a16="http://schemas.microsoft.com/office/drawing/2014/main" id="{A14EBDFE-D91D-F61F-72E0-102F0AB50F51}"/>
               </a:ext>
             </a:extLst>
           </p:cNvPr>
@@ -7238,76 +7372,100 @@
         <p:spPr/>
         <p:txBody>
           <a:bodyPr>
-            <a:normAutofit fontScale="90000"/>
+            <a:normAutofit/>
           </a:bodyPr>
           <a:lstStyle/>
           <a:p>
             <a:r>
+              <a:rPr lang="en-US" dirty="0" err="1"/>
+              <a:t>PepMLM</a:t>
+            </a:r>
+            <a:endParaRPr lang="en-US" dirty="0"/>
+          </a:p>
+        </p:txBody>
+      </p:sp>
+      <p:sp>
+        <p:nvSpPr>
+          <p:cNvPr id="3" name="Content Placeholder 2">
+            <a:extLst>
+              <a:ext uri="{FF2B5EF4-FFF2-40B4-BE49-F238E27FC236}">
+                <a16:creationId xmlns:a16="http://schemas.microsoft.com/office/drawing/2014/main" id="{04D2EEBE-C093-586D-EDBC-6DF1FD97AE13}"/>
+              </a:ext>
+            </a:extLst>
+          </p:cNvPr>
+          <p:cNvSpPr>
+            <a:spLocks noGrp="1"/>
+          </p:cNvSpPr>
+          <p:nvPr>
+            <p:ph idx="1"/>
+          </p:nvPr>
+        </p:nvSpPr>
+        <p:spPr/>
+        <p:txBody>
+          <a:bodyPr/>
+          <a:lstStyle/>
+          <a:p>
+            <a:r>
               <a:rPr lang="en-SG" dirty="0" err="1"/>
-              <a:t>AlphaDesign</a:t>
-            </a:r>
-            <a:br>
-              <a:rPr lang="en-SG" b="1" dirty="0"/>
-            </a:br>
-            <a:r>
-              <a:rPr lang="en-US" i="1" dirty="0"/>
-              <a:t>Molecular Systems Biology </a:t>
-            </a:r>
-            <a:r>
-              <a:rPr lang="en-US" dirty="0"/>
-              <a:t>2025</a:t>
-            </a:r>
-            <a:br>
-              <a:rPr lang="en-US" dirty="0"/>
-            </a:br>
+              <a:t>PepMLM</a:t>
+            </a:r>
+            <a:r>
+              <a:rPr lang="en-SG" dirty="0"/>
+              <a:t> used </a:t>
+            </a:r>
+            <a:r>
+              <a:rPr lang="en-US" dirty="0"/>
+              <a:t>AF-based docking metrics including </a:t>
+            </a:r>
+            <a:r>
+              <a:rPr lang="en-US" dirty="0" err="1"/>
+              <a:t>pLDDT</a:t>
+            </a:r>
+            <a:r>
+              <a:rPr lang="en-US" dirty="0"/>
+              <a:t> and </a:t>
+            </a:r>
+            <a:r>
+              <a:rPr lang="en-US" dirty="0" err="1"/>
+              <a:t>ipTM</a:t>
+            </a:r>
+            <a:endParaRPr lang="en-US" dirty="0"/>
+          </a:p>
+          <a:p>
+            <a:r>
+              <a:rPr lang="en-US" dirty="0" err="1"/>
+              <a:t>pLDDT</a:t>
+            </a:r>
+            <a:r>
+              <a:rPr lang="en-US" dirty="0"/>
+              <a:t> &amp; </a:t>
+            </a:r>
+            <a:r>
+              <a:rPr lang="en-US" dirty="0" err="1"/>
+              <a:t>ipTM</a:t>
+            </a:r>
+            <a:r>
+              <a:rPr lang="en-US" dirty="0"/>
+              <a:t>  are “</a:t>
+            </a:r>
+            <a:r>
+              <a:rPr lang="en-SG" dirty="0"/>
+              <a:t>verified metrics” that “</a:t>
+            </a:r>
+            <a:r>
+              <a:rPr lang="en-US" dirty="0"/>
+              <a:t>function as critical indicators of the structural integrity and the potential interface binding affinity of the peptide–protein complex”</a:t>
+            </a:r>
             <a:endParaRPr lang="en-SG" dirty="0"/>
           </a:p>
         </p:txBody>
       </p:sp>
       <p:sp>
         <p:nvSpPr>
-          <p:cNvPr id="3" name="Content Placeholder 2">
-            <a:extLst>
-              <a:ext uri="{FF2B5EF4-FFF2-40B4-BE49-F238E27FC236}">
-                <a16:creationId xmlns:a16="http://schemas.microsoft.com/office/drawing/2014/main" id="{392B0E95-B564-5539-8A15-1804CABD5700}"/>
-              </a:ext>
-            </a:extLst>
-          </p:cNvPr>
-          <p:cNvSpPr>
-            <a:spLocks noGrp="1"/>
-          </p:cNvSpPr>
-          <p:nvPr>
-            <p:ph idx="1"/>
-          </p:nvPr>
-        </p:nvSpPr>
-        <p:spPr/>
-        <p:txBody>
-          <a:bodyPr/>
-          <a:lstStyle/>
-          <a:p>
-            <a:r>
-              <a:rPr lang="en-SG" dirty="0" err="1"/>
-              <a:t>AlphaDesign</a:t>
-            </a:r>
-            <a:r>
-              <a:rPr lang="en-SG" dirty="0"/>
-              <a:t> is a protein design framework</a:t>
-            </a:r>
-          </a:p>
-          <a:p>
-            <a:r>
-              <a:rPr lang="en-SG" dirty="0"/>
-              <a:t>Uses AF’s confidence metrics as an optimisation signal</a:t>
-            </a:r>
-          </a:p>
-        </p:txBody>
-      </p:sp>
-      <p:sp>
-        <p:nvSpPr>
-          <p:cNvPr id="4" name="TextBox 3">
-            <a:extLst>
-              <a:ext uri="{FF2B5EF4-FFF2-40B4-BE49-F238E27FC236}">
-                <a16:creationId xmlns:a16="http://schemas.microsoft.com/office/drawing/2014/main" id="{6F583B98-D47F-AEFE-0DAF-50A655522656}"/>
+          <p:cNvPr id="5" name="TextBox 4">
+            <a:extLst>
+              <a:ext uri="{FF2B5EF4-FFF2-40B4-BE49-F238E27FC236}">
+                <a16:creationId xmlns:a16="http://schemas.microsoft.com/office/drawing/2014/main" id="{6E1AD1B8-832B-8126-0C9F-606114B9E756}"/>
               </a:ext>
             </a:extLst>
           </p:cNvPr>
@@ -7317,7 +7475,7 @@
         <p:spPr>
           <a:xfrm>
             <a:off x="218661" y="6069496"/>
-            <a:ext cx="4811445" cy="646331"/>
+            <a:ext cx="6081280" cy="646331"/>
           </a:xfrm>
           <a:prstGeom prst="rect">
             <a:avLst/>
@@ -7331,28 +7489,24 @@
           <a:lstStyle/>
           <a:p>
             <a:r>
-              <a:rPr lang="en-US" sz="1200" dirty="0" err="1"/>
-              <a:t>AlphaDesign</a:t>
-            </a:r>
-            <a:r>
               <a:rPr lang="en-US" sz="1200" dirty="0"/>
-              <a:t>: a de novo protein design framework based on AlphaFold</a:t>
+              <a:t>Target sequence-conditioned design of peptide binders using masked language modeling</a:t>
             </a:r>
           </a:p>
           <a:p>
             <a:r>
               <a:rPr lang="en-US" sz="1200" i="1" dirty="0"/>
-              <a:t> Molecular Systems Biology </a:t>
+              <a:t>Nature Biotechnology </a:t>
             </a:r>
             <a:r>
               <a:rPr lang="en-US" sz="1200" dirty="0"/>
-              <a:t>(Jun 2025)</a:t>
+              <a:t>(Aug 2025)</a:t>
             </a:r>
           </a:p>
           <a:p>
             <a:r>
               <a:rPr lang="en-SG" sz="1200" dirty="0"/>
-              <a:t>https://link.springer.com/article/10.1038/s44320-025-00119-z</a:t>
+              <a:t>https://www.nature.com/articles/s41587-025-02761-2</a:t>
             </a:r>
           </a:p>
         </p:txBody>
@@ -7360,7 +7514,7 @@
     </p:spTree>
     <p:extLst>
       <p:ext uri="{BB962C8B-B14F-4D97-AF65-F5344CB8AC3E}">
-        <p14:creationId xmlns:p14="http://schemas.microsoft.com/office/powerpoint/2010/main" val="4227388236"/>
+        <p14:creationId xmlns:p14="http://schemas.microsoft.com/office/powerpoint/2010/main" val="962158544"/>
       </p:ext>
     </p:extLst>
   </p:cSld>
@@ -7392,7 +7546,7 @@
           <p:cNvPr id="2" name="Title 1">
             <a:extLst>
               <a:ext uri="{FF2B5EF4-FFF2-40B4-BE49-F238E27FC236}">
-                <a16:creationId xmlns:a16="http://schemas.microsoft.com/office/drawing/2014/main" id="{F2514D0B-9B3C-D319-696C-BC512D1DD3B2}"/>
+                <a16:creationId xmlns:a16="http://schemas.microsoft.com/office/drawing/2014/main" id="{5D0A9534-5944-60D0-D801-035A35B57D26}"/>
               </a:ext>
             </a:extLst>
           </p:cNvPr>
@@ -7405,153 +7559,130 @@
         </p:nvSpPr>
         <p:spPr/>
         <p:txBody>
+          <a:bodyPr>
+            <a:normAutofit fontScale="90000"/>
+          </a:bodyPr>
+          <a:lstStyle/>
+          <a:p>
+            <a:r>
+              <a:rPr lang="en-SG" dirty="0" err="1"/>
+              <a:t>AlphaDesign</a:t>
+            </a:r>
+            <a:br>
+              <a:rPr lang="en-SG" b="1" dirty="0"/>
+            </a:br>
+            <a:r>
+              <a:rPr lang="en-US" i="1" dirty="0"/>
+              <a:t>Molecular Systems Biology </a:t>
+            </a:r>
+            <a:r>
+              <a:rPr lang="en-US" dirty="0"/>
+              <a:t>2025</a:t>
+            </a:r>
+            <a:br>
+              <a:rPr lang="en-US" dirty="0"/>
+            </a:br>
+            <a:endParaRPr lang="en-SG" dirty="0"/>
+          </a:p>
+        </p:txBody>
+      </p:sp>
+      <p:sp>
+        <p:nvSpPr>
+          <p:cNvPr id="3" name="Content Placeholder 2">
+            <a:extLst>
+              <a:ext uri="{FF2B5EF4-FFF2-40B4-BE49-F238E27FC236}">
+                <a16:creationId xmlns:a16="http://schemas.microsoft.com/office/drawing/2014/main" id="{392B0E95-B564-5539-8A15-1804CABD5700}"/>
+              </a:ext>
+            </a:extLst>
+          </p:cNvPr>
+          <p:cNvSpPr>
+            <a:spLocks noGrp="1"/>
+          </p:cNvSpPr>
+          <p:nvPr>
+            <p:ph idx="1"/>
+          </p:nvPr>
+        </p:nvSpPr>
+        <p:spPr/>
+        <p:txBody>
           <a:bodyPr/>
           <a:lstStyle/>
           <a:p>
             <a:r>
+              <a:rPr lang="en-SG" dirty="0" err="1"/>
+              <a:t>AlphaDesign</a:t>
+            </a:r>
+            <a:r>
               <a:rPr lang="en-SG" dirty="0"/>
-              <a:t>More papers that were published despite no experimental binding affinity validation</a:t>
-            </a:r>
-          </a:p>
-        </p:txBody>
-      </p:sp>
-      <p:sp>
-        <p:nvSpPr>
-          <p:cNvPr id="3" name="Content Placeholder 2">
-            <a:extLst>
-              <a:ext uri="{FF2B5EF4-FFF2-40B4-BE49-F238E27FC236}">
-                <a16:creationId xmlns:a16="http://schemas.microsoft.com/office/drawing/2014/main" id="{CC3A71FA-04AC-8618-F388-9736A04A8C5C}"/>
-              </a:ext>
-            </a:extLst>
-          </p:cNvPr>
-          <p:cNvSpPr>
-            <a:spLocks noGrp="1"/>
-          </p:cNvSpPr>
-          <p:nvPr>
-            <p:ph idx="1"/>
-          </p:nvPr>
-        </p:nvSpPr>
-        <p:spPr/>
-        <p:txBody>
-          <a:bodyPr/>
-          <a:lstStyle/>
-          <a:p>
-            <a:r>
-              <a:rPr lang="en-SG" dirty="0" err="1"/>
-              <a:t>ProDualNet</a:t>
-            </a:r>
+              <a:t> is a protein design framework</a:t>
+            </a:r>
+          </a:p>
+          <a:p>
             <a:r>
               <a:rPr lang="en-SG" dirty="0"/>
-              <a:t> </a:t>
-            </a:r>
-            <a:r>
-              <a:rPr lang="en-SG" i="1" dirty="0"/>
-              <a:t>Briefings in Bioinformatics</a:t>
-            </a:r>
-            <a:r>
-              <a:rPr lang="en-SG" dirty="0"/>
-              <a:t> 2025</a:t>
-            </a:r>
-          </a:p>
-          <a:p>
-            <a:pPr lvl="1"/>
-            <a:r>
-              <a:rPr lang="en-US" dirty="0"/>
-              <a:t>evaluates designs in silico and explicitly uses </a:t>
-            </a:r>
-            <a:r>
-              <a:rPr lang="en-US" dirty="0" err="1"/>
-              <a:t>pLDDT</a:t>
-            </a:r>
-            <a:r>
-              <a:rPr lang="en-US" dirty="0"/>
-              <a:t> and </a:t>
-            </a:r>
-            <a:r>
-              <a:rPr lang="en-US" dirty="0" err="1"/>
-              <a:t>ipTM</a:t>
-            </a:r>
-            <a:r>
-              <a:rPr lang="en-US" dirty="0"/>
-              <a:t> as ranking/quality metrics</a:t>
-            </a:r>
-          </a:p>
-          <a:p>
-            <a:pPr lvl="1"/>
-            <a:r>
-              <a:rPr lang="en-US" dirty="0"/>
-              <a:t>Outperforms baseline (</a:t>
-            </a:r>
-            <a:r>
-              <a:rPr lang="en-US" dirty="0" err="1"/>
-              <a:t>ProteinMPNN</a:t>
-            </a:r>
-            <a:r>
-              <a:rPr lang="en-US" dirty="0"/>
-              <a:t> variants etc.) using these metrics</a:t>
-            </a:r>
-          </a:p>
-          <a:p>
-            <a:r>
-              <a:rPr lang="en-US" dirty="0"/>
-              <a:t>Automated and modular protein binder design with </a:t>
-            </a:r>
-            <a:r>
-              <a:rPr lang="en-US" dirty="0" err="1"/>
-              <a:t>BinderFlow</a:t>
-            </a:r>
-            <a:r>
-              <a:rPr lang="en-US" dirty="0"/>
-              <a:t> </a:t>
-            </a:r>
-            <a:r>
-              <a:rPr lang="en-SG" i="1" dirty="0"/>
-              <a:t>PLOS Computational Biology 2025 </a:t>
-            </a:r>
-          </a:p>
-          <a:p>
-            <a:r>
-              <a:rPr lang="en-US" dirty="0"/>
-              <a:t>Rapid and accurate prediction of protein homo-oligomer symmetry using Seq2Symm </a:t>
-            </a:r>
-            <a:r>
-              <a:rPr lang="en-US" i="1" dirty="0"/>
-              <a:t>Nature Communications </a:t>
-            </a:r>
-            <a:r>
-              <a:rPr lang="en-US" dirty="0"/>
-              <a:t>2025</a:t>
-            </a:r>
-          </a:p>
-          <a:p>
-            <a:r>
-              <a:rPr lang="en-SG" dirty="0"/>
-              <a:t>APM: An All-Atom Generative Model for Designing Protein Complexes </a:t>
-            </a:r>
-            <a:r>
-              <a:rPr lang="en-SG" i="1" dirty="0"/>
-              <a:t>ICML</a:t>
-            </a:r>
-            <a:r>
-              <a:rPr lang="en-SG" dirty="0"/>
-              <a:t> 2025</a:t>
-            </a:r>
-          </a:p>
-          <a:p>
-            <a:endParaRPr lang="en-US" b="1" dirty="0"/>
-          </a:p>
-          <a:p>
-            <a:endParaRPr lang="en-US" dirty="0"/>
-          </a:p>
-          <a:p>
-            <a:endParaRPr lang="en-SG" dirty="0"/>
+              <a:t>Uses AF’s confidence metrics as an optimisation signal</a:t>
+            </a:r>
+          </a:p>
+        </p:txBody>
+      </p:sp>
+      <p:sp>
+        <p:nvSpPr>
+          <p:cNvPr id="4" name="TextBox 3">
+            <a:extLst>
+              <a:ext uri="{FF2B5EF4-FFF2-40B4-BE49-F238E27FC236}">
+                <a16:creationId xmlns:a16="http://schemas.microsoft.com/office/drawing/2014/main" id="{6F583B98-D47F-AEFE-0DAF-50A655522656}"/>
+              </a:ext>
+            </a:extLst>
+          </p:cNvPr>
+          <p:cNvSpPr txBox="1"/>
+          <p:nvPr/>
+        </p:nvSpPr>
+        <p:spPr>
+          <a:xfrm>
+            <a:off x="218661" y="6069496"/>
+            <a:ext cx="4811445" cy="646331"/>
+          </a:xfrm>
+          <a:prstGeom prst="rect">
+            <a:avLst/>
+          </a:prstGeom>
+          <a:noFill/>
+        </p:spPr>
+        <p:txBody>
+          <a:bodyPr wrap="none" rtlCol="0">
+            <a:spAutoFit/>
+          </a:bodyPr>
+          <a:lstStyle/>
+          <a:p>
+            <a:r>
+              <a:rPr lang="en-US" sz="1200" dirty="0" err="1"/>
+              <a:t>AlphaDesign</a:t>
+            </a:r>
+            <a:r>
+              <a:rPr lang="en-US" sz="1200" dirty="0"/>
+              <a:t>: a de novo protein design framework based on AlphaFold</a:t>
+            </a:r>
+          </a:p>
+          <a:p>
+            <a:r>
+              <a:rPr lang="en-US" sz="1200" i="1" dirty="0"/>
+              <a:t> Molecular Systems Biology </a:t>
+            </a:r>
+            <a:r>
+              <a:rPr lang="en-US" sz="1200" dirty="0"/>
+              <a:t>(Jun 2025)</a:t>
+            </a:r>
+          </a:p>
+          <a:p>
+            <a:r>
+              <a:rPr lang="en-SG" sz="1200" dirty="0"/>
+              <a:t>https://link.springer.com/article/10.1038/s44320-025-00119-z</a:t>
+            </a:r>
           </a:p>
         </p:txBody>
       </p:sp>
     </p:spTree>
     <p:extLst>
       <p:ext uri="{BB962C8B-B14F-4D97-AF65-F5344CB8AC3E}">
-        <p14:creationId xmlns:p14="http://schemas.microsoft.com/office/powerpoint/2010/main" val="2399861924"/>
+        <p14:creationId xmlns:p14="http://schemas.microsoft.com/office/powerpoint/2010/main" val="4227388236"/>
       </p:ext>
     </p:extLst>
   </p:cSld>
@@ -7583,6 +7714,197 @@
           <p:cNvPr id="2" name="Title 1">
             <a:extLst>
               <a:ext uri="{FF2B5EF4-FFF2-40B4-BE49-F238E27FC236}">
+                <a16:creationId xmlns:a16="http://schemas.microsoft.com/office/drawing/2014/main" id="{F2514D0B-9B3C-D319-696C-BC512D1DD3B2}"/>
+              </a:ext>
+            </a:extLst>
+          </p:cNvPr>
+          <p:cNvSpPr>
+            <a:spLocks noGrp="1"/>
+          </p:cNvSpPr>
+          <p:nvPr>
+            <p:ph type="title"/>
+          </p:nvPr>
+        </p:nvSpPr>
+        <p:spPr/>
+        <p:txBody>
+          <a:bodyPr/>
+          <a:lstStyle/>
+          <a:p>
+            <a:r>
+              <a:rPr lang="en-SG" dirty="0"/>
+              <a:t>More papers that were published despite no experimental binding affinity validation</a:t>
+            </a:r>
+          </a:p>
+        </p:txBody>
+      </p:sp>
+      <p:sp>
+        <p:nvSpPr>
+          <p:cNvPr id="3" name="Content Placeholder 2">
+            <a:extLst>
+              <a:ext uri="{FF2B5EF4-FFF2-40B4-BE49-F238E27FC236}">
+                <a16:creationId xmlns:a16="http://schemas.microsoft.com/office/drawing/2014/main" id="{CC3A71FA-04AC-8618-F388-9736A04A8C5C}"/>
+              </a:ext>
+            </a:extLst>
+          </p:cNvPr>
+          <p:cNvSpPr>
+            <a:spLocks noGrp="1"/>
+          </p:cNvSpPr>
+          <p:nvPr>
+            <p:ph idx="1"/>
+          </p:nvPr>
+        </p:nvSpPr>
+        <p:spPr/>
+        <p:txBody>
+          <a:bodyPr/>
+          <a:lstStyle/>
+          <a:p>
+            <a:r>
+              <a:rPr lang="en-SG" dirty="0" err="1"/>
+              <a:t>ProDualNet</a:t>
+            </a:r>
+            <a:r>
+              <a:rPr lang="en-SG" dirty="0"/>
+              <a:t> </a:t>
+            </a:r>
+            <a:r>
+              <a:rPr lang="en-SG" i="1" dirty="0"/>
+              <a:t>Briefings in Bioinformatics</a:t>
+            </a:r>
+            <a:r>
+              <a:rPr lang="en-SG" dirty="0"/>
+              <a:t> 2025</a:t>
+            </a:r>
+          </a:p>
+          <a:p>
+            <a:pPr lvl="1"/>
+            <a:r>
+              <a:rPr lang="en-US" dirty="0"/>
+              <a:t>evaluates designs in silico and explicitly uses </a:t>
+            </a:r>
+            <a:r>
+              <a:rPr lang="en-US" dirty="0" err="1"/>
+              <a:t>pLDDT</a:t>
+            </a:r>
+            <a:r>
+              <a:rPr lang="en-US" dirty="0"/>
+              <a:t> and </a:t>
+            </a:r>
+            <a:r>
+              <a:rPr lang="en-US" dirty="0" err="1"/>
+              <a:t>ipTM</a:t>
+            </a:r>
+            <a:r>
+              <a:rPr lang="en-US" dirty="0"/>
+              <a:t> as ranking/quality metrics</a:t>
+            </a:r>
+          </a:p>
+          <a:p>
+            <a:pPr lvl="1"/>
+            <a:r>
+              <a:rPr lang="en-US" dirty="0"/>
+              <a:t>Outperforms baseline (</a:t>
+            </a:r>
+            <a:r>
+              <a:rPr lang="en-US" dirty="0" err="1"/>
+              <a:t>ProteinMPNN</a:t>
+            </a:r>
+            <a:r>
+              <a:rPr lang="en-US" dirty="0"/>
+              <a:t> variants etc.) using these metrics</a:t>
+            </a:r>
+          </a:p>
+          <a:p>
+            <a:r>
+              <a:rPr lang="en-US" dirty="0"/>
+              <a:t>Automated and modular protein binder design with </a:t>
+            </a:r>
+            <a:r>
+              <a:rPr lang="en-US" dirty="0" err="1"/>
+              <a:t>BinderFlow</a:t>
+            </a:r>
+            <a:r>
+              <a:rPr lang="en-US" dirty="0"/>
+              <a:t> </a:t>
+            </a:r>
+            <a:r>
+              <a:rPr lang="en-SG" i="1" dirty="0"/>
+              <a:t>PLOS Computational Biology 2025 </a:t>
+            </a:r>
+          </a:p>
+          <a:p>
+            <a:r>
+              <a:rPr lang="en-US" dirty="0"/>
+              <a:t>Rapid and accurate prediction of protein homo-oligomer symmetry using Seq2Symm </a:t>
+            </a:r>
+            <a:r>
+              <a:rPr lang="en-US" i="1" dirty="0"/>
+              <a:t>Nature Communications </a:t>
+            </a:r>
+            <a:r>
+              <a:rPr lang="en-US" dirty="0"/>
+              <a:t>2025</a:t>
+            </a:r>
+          </a:p>
+          <a:p>
+            <a:r>
+              <a:rPr lang="en-SG" dirty="0"/>
+              <a:t>APM: An All-Atom Generative Model for Designing Protein Complexes </a:t>
+            </a:r>
+            <a:r>
+              <a:rPr lang="en-SG" i="1" dirty="0"/>
+              <a:t>ICML</a:t>
+            </a:r>
+            <a:r>
+              <a:rPr lang="en-SG" dirty="0"/>
+              <a:t> 2025</a:t>
+            </a:r>
+          </a:p>
+          <a:p>
+            <a:endParaRPr lang="en-US" b="1" dirty="0"/>
+          </a:p>
+          <a:p>
+            <a:endParaRPr lang="en-US" dirty="0"/>
+          </a:p>
+          <a:p>
+            <a:endParaRPr lang="en-SG" dirty="0"/>
+          </a:p>
+        </p:txBody>
+      </p:sp>
+    </p:spTree>
+    <p:extLst>
+      <p:ext uri="{BB962C8B-B14F-4D97-AF65-F5344CB8AC3E}">
+        <p14:creationId xmlns:p14="http://schemas.microsoft.com/office/powerpoint/2010/main" val="2399861924"/>
+      </p:ext>
+    </p:extLst>
+  </p:cSld>
+  <p:clrMapOvr>
+    <a:masterClrMapping/>
+  </p:clrMapOvr>
+</p:sld>
+</file>
+
+<file path=ppt/slides/slide28.xml><?xml version="1.0" encoding="utf-8"?>
+<p:sld xmlns:a="http://schemas.openxmlformats.org/drawingml/2006/main" xmlns:r="http://schemas.openxmlformats.org/officeDocument/2006/relationships" xmlns:p="http://schemas.openxmlformats.org/presentationml/2006/main">
+  <p:cSld>
+    <p:spTree>
+      <p:nvGrpSpPr>
+        <p:cNvPr id="1" name=""/>
+        <p:cNvGrpSpPr/>
+        <p:nvPr/>
+      </p:nvGrpSpPr>
+      <p:grpSpPr>
+        <a:xfrm>
+          <a:off x="0" y="0"/>
+          <a:ext cx="0" cy="0"/>
+          <a:chOff x="0" y="0"/>
+          <a:chExt cx="0" cy="0"/>
+        </a:xfrm>
+      </p:grpSpPr>
+      <p:sp>
+        <p:nvSpPr>
+          <p:cNvPr id="2" name="Title 1">
+            <a:extLst>
+              <a:ext uri="{FF2B5EF4-FFF2-40B4-BE49-F238E27FC236}">
                 <a16:creationId xmlns:a16="http://schemas.microsoft.com/office/drawing/2014/main" id="{A0D4E266-A7F6-3A59-1B98-0570B8339E95}"/>
               </a:ext>
             </a:extLst>
@@ -7647,7 +7969,7 @@
 </p:sld>
 </file>
 
-<file path=ppt/slides/slide28.xml><?xml version="1.0" encoding="utf-8"?>
+<file path=ppt/slides/slide29.xml><?xml version="1.0" encoding="utf-8"?>
 <p:sld xmlns:a="http://schemas.openxmlformats.org/drawingml/2006/main" xmlns:r="http://schemas.openxmlformats.org/officeDocument/2006/relationships" xmlns:p="http://schemas.openxmlformats.org/presentationml/2006/main">
   <p:cSld>
     <p:spTree>
@@ -7800,185 +8122,6 @@
     <p:extLst>
       <p:ext uri="{BB962C8B-B14F-4D97-AF65-F5344CB8AC3E}">
         <p14:creationId xmlns:p14="http://schemas.microsoft.com/office/powerpoint/2010/main" val="205781007"/>
-      </p:ext>
-    </p:extLst>
-  </p:cSld>
-  <p:clrMapOvr>
-    <a:masterClrMapping/>
-  </p:clrMapOvr>
-</p:sld>
-</file>
-
-<file path=ppt/slides/slide29.xml><?xml version="1.0" encoding="utf-8"?>
-<p:sld xmlns:a="http://schemas.openxmlformats.org/drawingml/2006/main" xmlns:r="http://schemas.openxmlformats.org/officeDocument/2006/relationships" xmlns:p="http://schemas.openxmlformats.org/presentationml/2006/main">
-  <p:cSld>
-    <p:spTree>
-      <p:nvGrpSpPr>
-        <p:cNvPr id="1" name=""/>
-        <p:cNvGrpSpPr/>
-        <p:nvPr/>
-      </p:nvGrpSpPr>
-      <p:grpSpPr>
-        <a:xfrm>
-          <a:off x="0" y="0"/>
-          <a:ext cx="0" cy="0"/>
-          <a:chOff x="0" y="0"/>
-          <a:chExt cx="0" cy="0"/>
-        </a:xfrm>
-      </p:grpSpPr>
-      <p:sp>
-        <p:nvSpPr>
-          <p:cNvPr id="2" name="Title 1">
-            <a:extLst>
-              <a:ext uri="{FF2B5EF4-FFF2-40B4-BE49-F238E27FC236}">
-                <a16:creationId xmlns:a16="http://schemas.microsoft.com/office/drawing/2014/main" id="{55B62B7D-1ED0-2C70-B19F-D4C3CFDCADD9}"/>
-              </a:ext>
-            </a:extLst>
-          </p:cNvPr>
-          <p:cNvSpPr>
-            <a:spLocks noGrp="1"/>
-          </p:cNvSpPr>
-          <p:nvPr>
-            <p:ph type="title"/>
-          </p:nvPr>
-        </p:nvSpPr>
-        <p:spPr/>
-        <p:txBody>
-          <a:bodyPr/>
-          <a:lstStyle/>
-          <a:p>
-            <a:r>
-              <a:rPr lang="en-SG" dirty="0"/>
-              <a:t>EvoBind2</a:t>
-            </a:r>
-          </a:p>
-        </p:txBody>
-      </p:sp>
-      <p:sp>
-        <p:nvSpPr>
-          <p:cNvPr id="3" name="Content Placeholder 2">
-            <a:extLst>
-              <a:ext uri="{FF2B5EF4-FFF2-40B4-BE49-F238E27FC236}">
-                <a16:creationId xmlns:a16="http://schemas.microsoft.com/office/drawing/2014/main" id="{F037C5A7-293E-5853-5423-5303C6417BF3}"/>
-              </a:ext>
-            </a:extLst>
-          </p:cNvPr>
-          <p:cNvSpPr>
-            <a:spLocks noGrp="1"/>
-          </p:cNvSpPr>
-          <p:nvPr>
-            <p:ph idx="1"/>
-          </p:nvPr>
-        </p:nvSpPr>
-        <p:spPr/>
-        <p:txBody>
-          <a:bodyPr/>
-          <a:lstStyle/>
-          <a:p>
-            <a:r>
-              <a:rPr lang="en-US" dirty="0"/>
-              <a:t>EvoBind2 designs peptide binders for a target protein</a:t>
-            </a:r>
-          </a:p>
-          <a:p>
-            <a:r>
-              <a:rPr lang="en-US" dirty="0"/>
-              <a:t>Binders evaluated using </a:t>
-            </a:r>
-            <a:r>
-              <a:rPr lang="en-US" dirty="0" err="1"/>
-              <a:t>pLDDT</a:t>
-            </a:r>
-            <a:r>
-              <a:rPr lang="en-US" dirty="0"/>
-              <a:t> &amp; AlphaFold-Multimer (AFM) Loss</a:t>
-            </a:r>
-          </a:p>
-          <a:p>
-            <a:r>
-              <a:rPr lang="en-US" dirty="0"/>
-              <a:t>Experimentally validated their designed binders</a:t>
-            </a:r>
-          </a:p>
-          <a:p>
-            <a:r>
-              <a:rPr lang="en-US" dirty="0"/>
-              <a:t>Binder lengths were 8-20aa</a:t>
-            </a:r>
-          </a:p>
-          <a:p>
-            <a:r>
-              <a:rPr lang="en-US" dirty="0" err="1"/>
-              <a:t>pLDDT</a:t>
-            </a:r>
-            <a:r>
-              <a:rPr lang="en-US" dirty="0"/>
-              <a:t> is a good predictor of binding affinity</a:t>
-            </a:r>
-          </a:p>
-          <a:p>
-            <a:endParaRPr lang="en-SG" dirty="0"/>
-          </a:p>
-        </p:txBody>
-      </p:sp>
-      <p:sp>
-        <p:nvSpPr>
-          <p:cNvPr id="4" name="TextBox 3">
-            <a:extLst>
-              <a:ext uri="{FF2B5EF4-FFF2-40B4-BE49-F238E27FC236}">
-                <a16:creationId xmlns:a16="http://schemas.microsoft.com/office/drawing/2014/main" id="{A9FB8D1F-67E9-CA14-2E47-9E5D443396F0}"/>
-              </a:ext>
-            </a:extLst>
-          </p:cNvPr>
-          <p:cNvSpPr txBox="1"/>
-          <p:nvPr/>
-        </p:nvSpPr>
-        <p:spPr>
-          <a:xfrm>
-            <a:off x="483704" y="5877339"/>
-            <a:ext cx="5369996" cy="830997"/>
-          </a:xfrm>
-          <a:prstGeom prst="rect">
-            <a:avLst/>
-          </a:prstGeom>
-          <a:noFill/>
-        </p:spPr>
-        <p:txBody>
-          <a:bodyPr wrap="none" rtlCol="0">
-            <a:spAutoFit/>
-          </a:bodyPr>
-          <a:lstStyle/>
-          <a:p>
-            <a:r>
-              <a:rPr lang="en-US" sz="1200" dirty="0"/>
-              <a:t>Design of linear and cyclic peptide binders from protein sequence information </a:t>
-            </a:r>
-          </a:p>
-          <a:p>
-            <a:r>
-              <a:rPr lang="en-US" sz="1200" i="1" dirty="0"/>
-              <a:t>Nature</a:t>
-            </a:r>
-            <a:r>
-              <a:rPr lang="en-US" sz="1200" dirty="0"/>
-              <a:t> (July 2025)</a:t>
-            </a:r>
-          </a:p>
-          <a:p>
-            <a:r>
-              <a:rPr lang="en-US" sz="1200" dirty="0"/>
-              <a:t>https://www.nature.com/articles/s42004-025-01601-3</a:t>
-            </a:r>
-          </a:p>
-          <a:p>
-            <a:endParaRPr lang="en-SG" sz="1200" dirty="0"/>
-          </a:p>
-        </p:txBody>
-      </p:sp>
-    </p:spTree>
-    <p:extLst>
-      <p:ext uri="{BB962C8B-B14F-4D97-AF65-F5344CB8AC3E}">
-        <p14:creationId xmlns:p14="http://schemas.microsoft.com/office/powerpoint/2010/main" val="2621426726"/>
       </p:ext>
     </p:extLst>
   </p:cSld>
@@ -8122,6 +8265,185 @@
   <p:cSld>
     <p:spTree>
       <p:nvGrpSpPr>
+        <p:cNvPr id="1" name=""/>
+        <p:cNvGrpSpPr/>
+        <p:nvPr/>
+      </p:nvGrpSpPr>
+      <p:grpSpPr>
+        <a:xfrm>
+          <a:off x="0" y="0"/>
+          <a:ext cx="0" cy="0"/>
+          <a:chOff x="0" y="0"/>
+          <a:chExt cx="0" cy="0"/>
+        </a:xfrm>
+      </p:grpSpPr>
+      <p:sp>
+        <p:nvSpPr>
+          <p:cNvPr id="2" name="Title 1">
+            <a:extLst>
+              <a:ext uri="{FF2B5EF4-FFF2-40B4-BE49-F238E27FC236}">
+                <a16:creationId xmlns:a16="http://schemas.microsoft.com/office/drawing/2014/main" id="{55B62B7D-1ED0-2C70-B19F-D4C3CFDCADD9}"/>
+              </a:ext>
+            </a:extLst>
+          </p:cNvPr>
+          <p:cNvSpPr>
+            <a:spLocks noGrp="1"/>
+          </p:cNvSpPr>
+          <p:nvPr>
+            <p:ph type="title"/>
+          </p:nvPr>
+        </p:nvSpPr>
+        <p:spPr/>
+        <p:txBody>
+          <a:bodyPr/>
+          <a:lstStyle/>
+          <a:p>
+            <a:r>
+              <a:rPr lang="en-SG" dirty="0"/>
+              <a:t>EvoBind2</a:t>
+            </a:r>
+          </a:p>
+        </p:txBody>
+      </p:sp>
+      <p:sp>
+        <p:nvSpPr>
+          <p:cNvPr id="3" name="Content Placeholder 2">
+            <a:extLst>
+              <a:ext uri="{FF2B5EF4-FFF2-40B4-BE49-F238E27FC236}">
+                <a16:creationId xmlns:a16="http://schemas.microsoft.com/office/drawing/2014/main" id="{F037C5A7-293E-5853-5423-5303C6417BF3}"/>
+              </a:ext>
+            </a:extLst>
+          </p:cNvPr>
+          <p:cNvSpPr>
+            <a:spLocks noGrp="1"/>
+          </p:cNvSpPr>
+          <p:nvPr>
+            <p:ph idx="1"/>
+          </p:nvPr>
+        </p:nvSpPr>
+        <p:spPr/>
+        <p:txBody>
+          <a:bodyPr/>
+          <a:lstStyle/>
+          <a:p>
+            <a:r>
+              <a:rPr lang="en-US" dirty="0"/>
+              <a:t>EvoBind2 designs peptide binders for a target protein</a:t>
+            </a:r>
+          </a:p>
+          <a:p>
+            <a:r>
+              <a:rPr lang="en-US" dirty="0"/>
+              <a:t>Binders evaluated using </a:t>
+            </a:r>
+            <a:r>
+              <a:rPr lang="en-US" dirty="0" err="1"/>
+              <a:t>pLDDT</a:t>
+            </a:r>
+            <a:r>
+              <a:rPr lang="en-US" dirty="0"/>
+              <a:t> &amp; AlphaFold-Multimer (AFM) Loss</a:t>
+            </a:r>
+          </a:p>
+          <a:p>
+            <a:r>
+              <a:rPr lang="en-US" dirty="0"/>
+              <a:t>Experimentally validated their designed binders</a:t>
+            </a:r>
+          </a:p>
+          <a:p>
+            <a:r>
+              <a:rPr lang="en-US" dirty="0"/>
+              <a:t>Binder lengths were 8-20aa</a:t>
+            </a:r>
+          </a:p>
+          <a:p>
+            <a:r>
+              <a:rPr lang="en-US" dirty="0" err="1"/>
+              <a:t>pLDDT</a:t>
+            </a:r>
+            <a:r>
+              <a:rPr lang="en-US" dirty="0"/>
+              <a:t> is a good predictor of binding affinity</a:t>
+            </a:r>
+          </a:p>
+          <a:p>
+            <a:endParaRPr lang="en-SG" dirty="0"/>
+          </a:p>
+        </p:txBody>
+      </p:sp>
+      <p:sp>
+        <p:nvSpPr>
+          <p:cNvPr id="4" name="TextBox 3">
+            <a:extLst>
+              <a:ext uri="{FF2B5EF4-FFF2-40B4-BE49-F238E27FC236}">
+                <a16:creationId xmlns:a16="http://schemas.microsoft.com/office/drawing/2014/main" id="{A9FB8D1F-67E9-CA14-2E47-9E5D443396F0}"/>
+              </a:ext>
+            </a:extLst>
+          </p:cNvPr>
+          <p:cNvSpPr txBox="1"/>
+          <p:nvPr/>
+        </p:nvSpPr>
+        <p:spPr>
+          <a:xfrm>
+            <a:off x="483704" y="5877339"/>
+            <a:ext cx="5369996" cy="830997"/>
+          </a:xfrm>
+          <a:prstGeom prst="rect">
+            <a:avLst/>
+          </a:prstGeom>
+          <a:noFill/>
+        </p:spPr>
+        <p:txBody>
+          <a:bodyPr wrap="none" rtlCol="0">
+            <a:spAutoFit/>
+          </a:bodyPr>
+          <a:lstStyle/>
+          <a:p>
+            <a:r>
+              <a:rPr lang="en-US" sz="1200" dirty="0"/>
+              <a:t>Design of linear and cyclic peptide binders from protein sequence information </a:t>
+            </a:r>
+          </a:p>
+          <a:p>
+            <a:r>
+              <a:rPr lang="en-US" sz="1200" i="1" dirty="0"/>
+              <a:t>Nature</a:t>
+            </a:r>
+            <a:r>
+              <a:rPr lang="en-US" sz="1200" dirty="0"/>
+              <a:t> (July 2025)</a:t>
+            </a:r>
+          </a:p>
+          <a:p>
+            <a:r>
+              <a:rPr lang="en-US" sz="1200" dirty="0"/>
+              <a:t>https://www.nature.com/articles/s42004-025-01601-3</a:t>
+            </a:r>
+          </a:p>
+          <a:p>
+            <a:endParaRPr lang="en-SG" sz="1200" dirty="0"/>
+          </a:p>
+        </p:txBody>
+      </p:sp>
+    </p:spTree>
+    <p:extLst>
+      <p:ext uri="{BB962C8B-B14F-4D97-AF65-F5344CB8AC3E}">
+        <p14:creationId xmlns:p14="http://schemas.microsoft.com/office/powerpoint/2010/main" val="2621426726"/>
+      </p:ext>
+    </p:extLst>
+  </p:cSld>
+  <p:clrMapOvr>
+    <a:masterClrMapping/>
+  </p:clrMapOvr>
+</p:sld>
+</file>
+
+<file path=ppt/slides/slide31.xml><?xml version="1.0" encoding="utf-8"?>
+<p:sld xmlns:a="http://schemas.openxmlformats.org/drawingml/2006/main" xmlns:r="http://schemas.openxmlformats.org/officeDocument/2006/relationships" xmlns:p="http://schemas.openxmlformats.org/presentationml/2006/main">
+  <p:cSld>
+    <p:spTree>
+      <p:nvGrpSpPr>
         <p:cNvPr id="1" name="">
           <a:extLst>
             <a:ext uri="{FF2B5EF4-FFF2-40B4-BE49-F238E27FC236}">
@@ -8318,7 +8640,7 @@
 </p:sld>
 </file>
 
-<file path=ppt/slides/slide31.xml><?xml version="1.0" encoding="utf-8"?>
+<file path=ppt/slides/slide32.xml><?xml version="1.0" encoding="utf-8"?>
 <p:sld xmlns:a="http://schemas.openxmlformats.org/drawingml/2006/main" xmlns:r="http://schemas.openxmlformats.org/officeDocument/2006/relationships" xmlns:p="http://schemas.openxmlformats.org/presentationml/2006/main">
   <p:cSld>
     <p:spTree>
@@ -8521,246 +8843,6 @@
     <p:extLst>
       <p:ext uri="{BB962C8B-B14F-4D97-AF65-F5344CB8AC3E}">
         <p14:creationId xmlns:p14="http://schemas.microsoft.com/office/powerpoint/2010/main" val="580008560"/>
-      </p:ext>
-    </p:extLst>
-  </p:cSld>
-  <p:clrMapOvr>
-    <a:masterClrMapping/>
-  </p:clrMapOvr>
-</p:sld>
-</file>
-
-<file path=ppt/slides/slide32.xml><?xml version="1.0" encoding="utf-8"?>
-<p:sld xmlns:a="http://schemas.openxmlformats.org/drawingml/2006/main" xmlns:r="http://schemas.openxmlformats.org/officeDocument/2006/relationships" xmlns:p="http://schemas.openxmlformats.org/presentationml/2006/main">
-  <p:cSld>
-    <p:spTree>
-      <p:nvGrpSpPr>
-        <p:cNvPr id="1" name=""/>
-        <p:cNvGrpSpPr/>
-        <p:nvPr/>
-      </p:nvGrpSpPr>
-      <p:grpSpPr>
-        <a:xfrm>
-          <a:off x="0" y="0"/>
-          <a:ext cx="0" cy="0"/>
-          <a:chOff x="0" y="0"/>
-          <a:chExt cx="0" cy="0"/>
-        </a:xfrm>
-      </p:grpSpPr>
-      <p:sp>
-        <p:nvSpPr>
-          <p:cNvPr id="2" name="Title 1">
-            <a:extLst>
-              <a:ext uri="{FF2B5EF4-FFF2-40B4-BE49-F238E27FC236}">
-                <a16:creationId xmlns:a16="http://schemas.microsoft.com/office/drawing/2014/main" id="{72F6CEBF-CBD6-ED69-6E71-CD6151700ADB}"/>
-              </a:ext>
-            </a:extLst>
-          </p:cNvPr>
-          <p:cNvSpPr>
-            <a:spLocks noGrp="1"/>
-          </p:cNvSpPr>
-          <p:nvPr>
-            <p:ph type="title"/>
-          </p:nvPr>
-        </p:nvSpPr>
-        <p:spPr/>
-        <p:txBody>
-          <a:bodyPr/>
-          <a:lstStyle/>
-          <a:p>
-            <a:r>
-              <a:rPr lang="en-SG" dirty="0"/>
-              <a:t>More papers</a:t>
-            </a:r>
-          </a:p>
-        </p:txBody>
-      </p:sp>
-      <p:sp>
-        <p:nvSpPr>
-          <p:cNvPr id="3" name="Content Placeholder 2">
-            <a:extLst>
-              <a:ext uri="{FF2B5EF4-FFF2-40B4-BE49-F238E27FC236}">
-                <a16:creationId xmlns:a16="http://schemas.microsoft.com/office/drawing/2014/main" id="{B014DF6E-F37D-23E7-D567-A53572341EDF}"/>
-              </a:ext>
-            </a:extLst>
-          </p:cNvPr>
-          <p:cNvSpPr>
-            <a:spLocks noGrp="1"/>
-          </p:cNvSpPr>
-          <p:nvPr>
-            <p:ph idx="1"/>
-          </p:nvPr>
-        </p:nvSpPr>
-        <p:spPr/>
-        <p:txBody>
-          <a:bodyPr>
-            <a:normAutofit fontScale="70000" lnSpcReduction="20000"/>
-          </a:bodyPr>
-          <a:lstStyle/>
-          <a:p>
-            <a:r>
-              <a:rPr lang="en-US" dirty="0" err="1"/>
-              <a:t>PepMLM</a:t>
-            </a:r>
-            <a:r>
-              <a:rPr lang="en-US" dirty="0"/>
-              <a:t>: Target sequence-conditioned design of peptide binders using masked language modeling </a:t>
-            </a:r>
-            <a:r>
-              <a:rPr lang="en-US" i="1" dirty="0"/>
-              <a:t>Nature Biotechnology</a:t>
-            </a:r>
-            <a:r>
-              <a:rPr lang="en-US" dirty="0"/>
-              <a:t> (Aug 2025)</a:t>
-            </a:r>
-          </a:p>
-          <a:p>
-            <a:pPr lvl="1"/>
-            <a:r>
-              <a:rPr lang="en-US" dirty="0"/>
-              <a:t>Used </a:t>
-            </a:r>
-            <a:r>
-              <a:rPr lang="en-US" dirty="0" err="1"/>
-              <a:t>pLDDT</a:t>
-            </a:r>
-            <a:r>
-              <a:rPr lang="en-US" dirty="0"/>
-              <a:t> &amp; </a:t>
-            </a:r>
-            <a:r>
-              <a:rPr lang="en-US" dirty="0" err="1"/>
-              <a:t>ipTM</a:t>
-            </a:r>
-            <a:endParaRPr lang="en-US" dirty="0"/>
-          </a:p>
-          <a:p>
-            <a:pPr lvl="1"/>
-            <a:r>
-              <a:rPr lang="en-US" dirty="0"/>
-              <a:t>In a peptide design benchmark, higher </a:t>
-            </a:r>
-            <a:r>
-              <a:rPr lang="en-US" dirty="0" err="1"/>
-              <a:t>ipTM</a:t>
-            </a:r>
-            <a:r>
-              <a:rPr lang="en-US" dirty="0"/>
-              <a:t> scores were used to identify successful binders, and designs with higher </a:t>
-            </a:r>
-            <a:r>
-              <a:rPr lang="en-US" dirty="0" err="1"/>
-              <a:t>ipTM</a:t>
-            </a:r>
-            <a:r>
-              <a:rPr lang="en-US" dirty="0"/>
-              <a:t> achieved higher hit rates</a:t>
-            </a:r>
-          </a:p>
-          <a:p>
-            <a:r>
-              <a:rPr lang="en-US" dirty="0"/>
-              <a:t>Protein structure prediction implicitly define binding energy functions </a:t>
-            </a:r>
-            <a:r>
-              <a:rPr lang="en-SG" i="1" dirty="0"/>
-              <a:t>ICLR 2025 </a:t>
-            </a:r>
-            <a:endParaRPr lang="en-US" i="1" dirty="0"/>
-          </a:p>
-          <a:p>
-            <a:pPr lvl="1"/>
-            <a:r>
-              <a:rPr lang="en-US" dirty="0"/>
-              <a:t>AlphaFold confidence metrics are predictive of biological interface quality and binding behavior</a:t>
-            </a:r>
-          </a:p>
-          <a:p>
-            <a:r>
-              <a:rPr lang="en-US" dirty="0"/>
-              <a:t>Evaluation of AlphaFold-Multimer prediction on multi-chain protein complexes </a:t>
-            </a:r>
-            <a:r>
-              <a:rPr lang="en-US" i="1" dirty="0"/>
-              <a:t>Bioinformatics </a:t>
-            </a:r>
-            <a:r>
-              <a:rPr lang="en-US" dirty="0"/>
-              <a:t>(July 2023)</a:t>
-            </a:r>
-          </a:p>
-          <a:p>
-            <a:pPr lvl="1"/>
-            <a:r>
-              <a:rPr lang="en-US" dirty="0"/>
-              <a:t>large benchmark study on AlphaFold-Multimer shows that interface-focused confidence metrics can identify correct interfaces more reliably than global structural confidence alone</a:t>
-            </a:r>
-          </a:p>
-          <a:p>
-            <a:pPr lvl="1"/>
-            <a:r>
-              <a:rPr lang="en-US" dirty="0"/>
-              <a:t>Suggests that a combination of </a:t>
-            </a:r>
-            <a:r>
-              <a:rPr lang="en-US" dirty="0" err="1"/>
-              <a:t>pLDDT</a:t>
-            </a:r>
-            <a:r>
-              <a:rPr lang="en-US" dirty="0"/>
-              <a:t> + </a:t>
-            </a:r>
-            <a:r>
-              <a:rPr lang="en-US" dirty="0" err="1"/>
-              <a:t>ipTM</a:t>
-            </a:r>
-            <a:r>
-              <a:rPr lang="en-US" dirty="0"/>
-              <a:t> would be good</a:t>
-            </a:r>
-          </a:p>
-          <a:p>
-            <a:r>
-              <a:rPr lang="en-US" dirty="0"/>
-              <a:t>AlphaFold-Multimer accurately captures interactions and dynamics of intrinsically disordered protein regions </a:t>
-            </a:r>
-            <a:r>
-              <a:rPr lang="en-US" i="1" dirty="0"/>
-              <a:t>PNAS (Oct 2024)</a:t>
-            </a:r>
-          </a:p>
-          <a:p>
-            <a:pPr lvl="1"/>
-            <a:r>
-              <a:rPr lang="en-US" dirty="0"/>
-              <a:t>explicitly shows that AlphaFold-Multimer confidence scores (</a:t>
-            </a:r>
-            <a:r>
-              <a:rPr lang="en-US" i="1" dirty="0" err="1"/>
-              <a:t>ipTM</a:t>
-            </a:r>
-            <a:r>
-              <a:rPr lang="en-US" dirty="0"/>
-              <a:t>) correlate with </a:t>
-            </a:r>
-            <a:r>
-              <a:rPr lang="en-SG" dirty="0"/>
-              <a:t>true interaction quality</a:t>
-            </a:r>
-          </a:p>
-          <a:p>
-            <a:endParaRPr lang="en-US" dirty="0"/>
-          </a:p>
-          <a:p>
-            <a:endParaRPr lang="en-SG" dirty="0"/>
-          </a:p>
-        </p:txBody>
-      </p:sp>
-    </p:spTree>
-    <p:extLst>
-      <p:ext uri="{BB962C8B-B14F-4D97-AF65-F5344CB8AC3E}">
-        <p14:creationId xmlns:p14="http://schemas.microsoft.com/office/powerpoint/2010/main" val="2295406427"/>
       </p:ext>
     </p:extLst>
   </p:cSld>
@@ -8792,7 +8874,7 @@
           <p:cNvPr id="2" name="Title 1">
             <a:extLst>
               <a:ext uri="{FF2B5EF4-FFF2-40B4-BE49-F238E27FC236}">
-                <a16:creationId xmlns:a16="http://schemas.microsoft.com/office/drawing/2014/main" id="{A33CDCEE-DDEF-6162-D1E7-58BBBF01FAE3}"/>
+                <a16:creationId xmlns:a16="http://schemas.microsoft.com/office/drawing/2014/main" id="{72F6CEBF-CBD6-ED69-6E71-CD6151700ADB}"/>
               </a:ext>
             </a:extLst>
           </p:cNvPr>
@@ -8810,7 +8892,7 @@
           <a:p>
             <a:r>
               <a:rPr lang="en-SG" dirty="0"/>
-              <a:t>More Papers</a:t>
+              <a:t>More papers</a:t>
             </a:r>
           </a:p>
         </p:txBody>
@@ -8820,7 +8902,7 @@
           <p:cNvPr id="3" name="Content Placeholder 2">
             <a:extLst>
               <a:ext uri="{FF2B5EF4-FFF2-40B4-BE49-F238E27FC236}">
-                <a16:creationId xmlns:a16="http://schemas.microsoft.com/office/drawing/2014/main" id="{34E9F946-D6A3-41E1-277B-025E86F4501A}"/>
+                <a16:creationId xmlns:a16="http://schemas.microsoft.com/office/drawing/2014/main" id="{B014DF6E-F37D-23E7-D567-A53572341EDF}"/>
               </a:ext>
             </a:extLst>
           </p:cNvPr>
@@ -8833,63 +8915,33 @@
         </p:nvSpPr>
         <p:spPr/>
         <p:txBody>
-          <a:bodyPr/>
-          <a:lstStyle/>
-          <a:p>
-            <a:r>
-              <a:rPr lang="en-US" dirty="0"/>
-              <a:t>Improving de novo protein binder design with deep learning</a:t>
-            </a:r>
-            <a:br>
-              <a:rPr lang="en-US" dirty="0"/>
-            </a:br>
+          <a:bodyPr>
+            <a:normAutofit fontScale="70000" lnSpcReduction="20000"/>
+          </a:bodyPr>
+          <a:lstStyle/>
+          <a:p>
+            <a:r>
+              <a:rPr lang="en-US" dirty="0" err="1"/>
+              <a:t>PepMLM</a:t>
+            </a:r>
+            <a:r>
+              <a:rPr lang="en-US" dirty="0"/>
+              <a:t>: Target sequence-conditioned design of peptide binders using masked language modeling </a:t>
+            </a:r>
             <a:r>
               <a:rPr lang="en-US" i="1" dirty="0"/>
-              <a:t>Nature Communications 2023</a:t>
+              <a:t>Nature Biotechnology</a:t>
+            </a:r>
+            <a:r>
+              <a:rPr lang="en-US" dirty="0"/>
+              <a:t> (Aug 2025)</a:t>
             </a:r>
           </a:p>
           <a:p>
             <a:pPr lvl="1"/>
             <a:r>
               <a:rPr lang="en-US" dirty="0"/>
-              <a:t>They report that using AlphaFold2 or </a:t>
-            </a:r>
-            <a:r>
-              <a:rPr lang="en-US" dirty="0" err="1"/>
-              <a:t>RoseTTAFold</a:t>
-            </a:r>
-            <a:r>
-              <a:rPr lang="en-US" dirty="0"/>
-              <a:t> to assess whether designs adopt the monomer fold and bind the target “increases design success rates nearly 10-fold” </a:t>
-            </a:r>
-          </a:p>
-          <a:p>
-            <a:r>
-              <a:rPr lang="en-US" dirty="0"/>
-              <a:t>AlphaFold-Multimer predicts cross-kingdom interactions at the plant-pathogen interface </a:t>
-            </a:r>
-            <a:r>
-              <a:rPr lang="en-US" i="1" dirty="0"/>
-              <a:t>Nature Communications </a:t>
-            </a:r>
-            <a:r>
-              <a:rPr lang="en-US" dirty="0"/>
-              <a:t>2023</a:t>
-            </a:r>
-          </a:p>
-          <a:p>
-            <a:pPr lvl="1"/>
-            <a:r>
-              <a:rPr lang="en-US" dirty="0"/>
-              <a:t>Uses </a:t>
-            </a:r>
-            <a:r>
-              <a:rPr lang="en-US" dirty="0" err="1"/>
-              <a:t>ipTM+pTM</a:t>
-            </a:r>
-            <a:r>
-              <a:rPr lang="en-US" dirty="0"/>
-              <a:t> thresholds and </a:t>
+              <a:t>Used </a:t>
             </a:r>
             <a:r>
               <a:rPr lang="en-US" dirty="0" err="1"/>
@@ -8897,14 +8949,132 @@
             </a:r>
             <a:r>
               <a:rPr lang="en-US" dirty="0"/>
-              <a:t> patterns to screen predicted complexes, and then confirms several predicted inhibitors experimentally</a:t>
-            </a:r>
-          </a:p>
-          <a:p>
+              <a:t> &amp; </a:t>
+            </a:r>
+            <a:r>
+              <a:rPr lang="en-US" dirty="0" err="1"/>
+              <a:t>ipTM</a:t>
+            </a:r>
             <a:endParaRPr lang="en-US" dirty="0"/>
           </a:p>
           <a:p>
             <a:pPr lvl="1"/>
+            <a:r>
+              <a:rPr lang="en-US" dirty="0"/>
+              <a:t>In a peptide design benchmark, higher </a:t>
+            </a:r>
+            <a:r>
+              <a:rPr lang="en-US" dirty="0" err="1"/>
+              <a:t>ipTM</a:t>
+            </a:r>
+            <a:r>
+              <a:rPr lang="en-US" dirty="0"/>
+              <a:t> scores were used to identify successful binders, and designs with higher </a:t>
+            </a:r>
+            <a:r>
+              <a:rPr lang="en-US" dirty="0" err="1"/>
+              <a:t>ipTM</a:t>
+            </a:r>
+            <a:r>
+              <a:rPr lang="en-US" dirty="0"/>
+              <a:t> achieved higher hit rates</a:t>
+            </a:r>
+          </a:p>
+          <a:p>
+            <a:r>
+              <a:rPr lang="en-US" dirty="0"/>
+              <a:t>Protein structure prediction implicitly define binding energy functions </a:t>
+            </a:r>
+            <a:r>
+              <a:rPr lang="en-SG" i="1" dirty="0"/>
+              <a:t>ICLR 2025 </a:t>
+            </a:r>
+            <a:endParaRPr lang="en-US" i="1" dirty="0"/>
+          </a:p>
+          <a:p>
+            <a:pPr lvl="1"/>
+            <a:r>
+              <a:rPr lang="en-US" dirty="0"/>
+              <a:t>AlphaFold confidence metrics are predictive of biological interface quality and binding behavior</a:t>
+            </a:r>
+          </a:p>
+          <a:p>
+            <a:r>
+              <a:rPr lang="en-US" dirty="0"/>
+              <a:t>Evaluation of AlphaFold-Multimer prediction on multi-chain protein complexes </a:t>
+            </a:r>
+            <a:r>
+              <a:rPr lang="en-US" i="1" dirty="0"/>
+              <a:t>Bioinformatics </a:t>
+            </a:r>
+            <a:r>
+              <a:rPr lang="en-US" dirty="0"/>
+              <a:t>(July 2023)</a:t>
+            </a:r>
+          </a:p>
+          <a:p>
+            <a:pPr lvl="1"/>
+            <a:r>
+              <a:rPr lang="en-US" dirty="0"/>
+              <a:t>large benchmark study on AlphaFold-Multimer shows that interface-focused confidence metrics can identify correct interfaces more reliably than global structural confidence alone</a:t>
+            </a:r>
+          </a:p>
+          <a:p>
+            <a:pPr lvl="1"/>
+            <a:r>
+              <a:rPr lang="en-US" dirty="0"/>
+              <a:t>Suggests that a combination of </a:t>
+            </a:r>
+            <a:r>
+              <a:rPr lang="en-US" dirty="0" err="1"/>
+              <a:t>pLDDT</a:t>
+            </a:r>
+            <a:r>
+              <a:rPr lang="en-US" dirty="0"/>
+              <a:t> + </a:t>
+            </a:r>
+            <a:r>
+              <a:rPr lang="en-US" dirty="0" err="1"/>
+              <a:t>ipTM</a:t>
+            </a:r>
+            <a:r>
+              <a:rPr lang="en-US" dirty="0"/>
+              <a:t> would be good</a:t>
+            </a:r>
+          </a:p>
+          <a:p>
+            <a:r>
+              <a:rPr lang="en-US" dirty="0"/>
+              <a:t>AlphaFold-Multimer accurately captures interactions and dynamics of intrinsically disordered protein regions </a:t>
+            </a:r>
+            <a:r>
+              <a:rPr lang="en-US" i="1" dirty="0"/>
+              <a:t>PNAS (Oct 2024)</a:t>
+            </a:r>
+          </a:p>
+          <a:p>
+            <a:pPr lvl="1"/>
+            <a:r>
+              <a:rPr lang="en-US" dirty="0"/>
+              <a:t>explicitly shows that AlphaFold-Multimer confidence scores (</a:t>
+            </a:r>
+            <a:r>
+              <a:rPr lang="en-US" i="1" dirty="0" err="1"/>
+              <a:t>ipTM</a:t>
+            </a:r>
+            <a:r>
+              <a:rPr lang="en-US" dirty="0"/>
+              <a:t>) correlate with </a:t>
+            </a:r>
+            <a:r>
+              <a:rPr lang="en-SG" dirty="0"/>
+              <a:t>true interaction quality</a:t>
+            </a:r>
+          </a:p>
+          <a:p>
+            <a:endParaRPr lang="en-US" dirty="0"/>
+          </a:p>
+          <a:p>
             <a:endParaRPr lang="en-SG" dirty="0"/>
           </a:p>
         </p:txBody>
@@ -8912,7 +9082,7 @@
     </p:spTree>
     <p:extLst>
       <p:ext uri="{BB962C8B-B14F-4D97-AF65-F5344CB8AC3E}">
-        <p14:creationId xmlns:p14="http://schemas.microsoft.com/office/powerpoint/2010/main" val="2595543480"/>
+        <p14:creationId xmlns:p14="http://schemas.microsoft.com/office/powerpoint/2010/main" val="2295406427"/>
       </p:ext>
     </p:extLst>
   </p:cSld>
@@ -8944,7 +9114,7 @@
           <p:cNvPr id="2" name="Title 1">
             <a:extLst>
               <a:ext uri="{FF2B5EF4-FFF2-40B4-BE49-F238E27FC236}">
-                <a16:creationId xmlns:a16="http://schemas.microsoft.com/office/drawing/2014/main" id="{433E5BB6-0F67-1DCB-DFE8-DAD25DA8E310}"/>
+                <a16:creationId xmlns:a16="http://schemas.microsoft.com/office/drawing/2014/main" id="{A33CDCEE-DDEF-6162-D1E7-58BBBF01FAE3}"/>
               </a:ext>
             </a:extLst>
           </p:cNvPr>
@@ -8962,7 +9132,7 @@
           <a:p>
             <a:r>
               <a:rPr lang="en-SG" dirty="0"/>
-              <a:t>Conclusion</a:t>
+              <a:t>More Papers</a:t>
             </a:r>
           </a:p>
         </p:txBody>
@@ -8972,7 +9142,7 @@
           <p:cNvPr id="3" name="Content Placeholder 2">
             <a:extLst>
               <a:ext uri="{FF2B5EF4-FFF2-40B4-BE49-F238E27FC236}">
-                <a16:creationId xmlns:a16="http://schemas.microsoft.com/office/drawing/2014/main" id="{F61AA44A-BC96-C4CA-06D2-DCD10D8F5745}"/>
+                <a16:creationId xmlns:a16="http://schemas.microsoft.com/office/drawing/2014/main" id="{34E9F946-D6A3-41E1-277B-025E86F4501A}"/>
               </a:ext>
             </a:extLst>
           </p:cNvPr>
@@ -8989,16 +9159,82 @@
           <a:lstStyle/>
           <a:p>
             <a:r>
-              <a:rPr lang="en-SG" dirty="0"/>
-              <a:t>Many publications show that AF confidence metrics can be good predictors of a experimentally validated good binders</a:t>
-            </a:r>
+              <a:rPr lang="en-US" dirty="0"/>
+              <a:t>Improving de novo protein binder design with deep learning</a:t>
+            </a:r>
+            <a:br>
+              <a:rPr lang="en-US" dirty="0"/>
+            </a:br>
+            <a:r>
+              <a:rPr lang="en-US" i="1" dirty="0"/>
+              <a:t>Nature Communications 2023</a:t>
+            </a:r>
+          </a:p>
+          <a:p>
+            <a:pPr lvl="1"/>
+            <a:r>
+              <a:rPr lang="en-US" dirty="0"/>
+              <a:t>They report that using AlphaFold2 or </a:t>
+            </a:r>
+            <a:r>
+              <a:rPr lang="en-US" dirty="0" err="1"/>
+              <a:t>RoseTTAFold</a:t>
+            </a:r>
+            <a:r>
+              <a:rPr lang="en-US" dirty="0"/>
+              <a:t> to assess whether designs adopt the monomer fold and bind the target “increases design success rates nearly 10-fold” </a:t>
+            </a:r>
+          </a:p>
+          <a:p>
+            <a:r>
+              <a:rPr lang="en-US" dirty="0"/>
+              <a:t>AlphaFold-Multimer predicts cross-kingdom interactions at the plant-pathogen interface </a:t>
+            </a:r>
+            <a:r>
+              <a:rPr lang="en-US" i="1" dirty="0"/>
+              <a:t>Nature Communications </a:t>
+            </a:r>
+            <a:r>
+              <a:rPr lang="en-US" dirty="0"/>
+              <a:t>2023</a:t>
+            </a:r>
+          </a:p>
+          <a:p>
+            <a:pPr lvl="1"/>
+            <a:r>
+              <a:rPr lang="en-US" dirty="0"/>
+              <a:t>Uses </a:t>
+            </a:r>
+            <a:r>
+              <a:rPr lang="en-US" dirty="0" err="1"/>
+              <a:t>ipTM+pTM</a:t>
+            </a:r>
+            <a:r>
+              <a:rPr lang="en-US" dirty="0"/>
+              <a:t> thresholds and </a:t>
+            </a:r>
+            <a:r>
+              <a:rPr lang="en-US" dirty="0" err="1"/>
+              <a:t>pLDDT</a:t>
+            </a:r>
+            <a:r>
+              <a:rPr lang="en-US" dirty="0"/>
+              <a:t> patterns to screen predicted complexes, and then confirms several predicted inhibitors experimentally</a:t>
+            </a:r>
+          </a:p>
+          <a:p>
+            <a:endParaRPr lang="en-US" dirty="0"/>
+          </a:p>
+          <a:p>
+            <a:pPr lvl="1"/>
+            <a:endParaRPr lang="en-SG" dirty="0"/>
           </a:p>
         </p:txBody>
       </p:sp>
     </p:spTree>
     <p:extLst>
       <p:ext uri="{BB962C8B-B14F-4D97-AF65-F5344CB8AC3E}">
-        <p14:creationId xmlns:p14="http://schemas.microsoft.com/office/powerpoint/2010/main" val="2844846929"/>
+        <p14:creationId xmlns:p14="http://schemas.microsoft.com/office/powerpoint/2010/main" val="2595543480"/>
       </p:ext>
     </p:extLst>
   </p:cSld>
@@ -9030,6 +9266,92 @@
           <p:cNvPr id="2" name="Title 1">
             <a:extLst>
               <a:ext uri="{FF2B5EF4-FFF2-40B4-BE49-F238E27FC236}">
+                <a16:creationId xmlns:a16="http://schemas.microsoft.com/office/drawing/2014/main" id="{433E5BB6-0F67-1DCB-DFE8-DAD25DA8E310}"/>
+              </a:ext>
+            </a:extLst>
+          </p:cNvPr>
+          <p:cNvSpPr>
+            <a:spLocks noGrp="1"/>
+          </p:cNvSpPr>
+          <p:nvPr>
+            <p:ph type="title"/>
+          </p:nvPr>
+        </p:nvSpPr>
+        <p:spPr/>
+        <p:txBody>
+          <a:bodyPr/>
+          <a:lstStyle/>
+          <a:p>
+            <a:r>
+              <a:rPr lang="en-SG" dirty="0"/>
+              <a:t>Conclusion</a:t>
+            </a:r>
+          </a:p>
+        </p:txBody>
+      </p:sp>
+      <p:sp>
+        <p:nvSpPr>
+          <p:cNvPr id="3" name="Content Placeholder 2">
+            <a:extLst>
+              <a:ext uri="{FF2B5EF4-FFF2-40B4-BE49-F238E27FC236}">
+                <a16:creationId xmlns:a16="http://schemas.microsoft.com/office/drawing/2014/main" id="{F61AA44A-BC96-C4CA-06D2-DCD10D8F5745}"/>
+              </a:ext>
+            </a:extLst>
+          </p:cNvPr>
+          <p:cNvSpPr>
+            <a:spLocks noGrp="1"/>
+          </p:cNvSpPr>
+          <p:nvPr>
+            <p:ph idx="1"/>
+          </p:nvPr>
+        </p:nvSpPr>
+        <p:spPr/>
+        <p:txBody>
+          <a:bodyPr/>
+          <a:lstStyle/>
+          <a:p>
+            <a:r>
+              <a:rPr lang="en-SG" dirty="0"/>
+              <a:t>Many publications show that AF confidence metrics can be good predictors of a experimentally validated good binders</a:t>
+            </a:r>
+          </a:p>
+        </p:txBody>
+      </p:sp>
+    </p:spTree>
+    <p:extLst>
+      <p:ext uri="{BB962C8B-B14F-4D97-AF65-F5344CB8AC3E}">
+        <p14:creationId xmlns:p14="http://schemas.microsoft.com/office/powerpoint/2010/main" val="2844846929"/>
+      </p:ext>
+    </p:extLst>
+  </p:cSld>
+  <p:clrMapOvr>
+    <a:masterClrMapping/>
+  </p:clrMapOvr>
+</p:sld>
+</file>
+
+<file path=ppt/slides/slide36.xml><?xml version="1.0" encoding="utf-8"?>
+<p:sld xmlns:a="http://schemas.openxmlformats.org/drawingml/2006/main" xmlns:r="http://schemas.openxmlformats.org/officeDocument/2006/relationships" xmlns:p="http://schemas.openxmlformats.org/presentationml/2006/main">
+  <p:cSld>
+    <p:spTree>
+      <p:nvGrpSpPr>
+        <p:cNvPr id="1" name=""/>
+        <p:cNvGrpSpPr/>
+        <p:nvPr/>
+      </p:nvGrpSpPr>
+      <p:grpSpPr>
+        <a:xfrm>
+          <a:off x="0" y="0"/>
+          <a:ext cx="0" cy="0"/>
+          <a:chOff x="0" y="0"/>
+          <a:chExt cx="0" cy="0"/>
+        </a:xfrm>
+      </p:grpSpPr>
+      <p:sp>
+        <p:nvSpPr>
+          <p:cNvPr id="2" name="Title 1">
+            <a:extLst>
+              <a:ext uri="{FF2B5EF4-FFF2-40B4-BE49-F238E27FC236}">
                 <a16:creationId xmlns:a16="http://schemas.microsoft.com/office/drawing/2014/main" id="{80E27A57-A775-1A3D-8693-9214B7238873}"/>
               </a:ext>
             </a:extLst>
@@ -9044,17 +9366,10 @@
         <p:spPr/>
         <p:txBody>
           <a:bodyPr>
-            <a:normAutofit fontScale="90000"/>
+            <a:normAutofit/>
           </a:bodyPr>
           <a:lstStyle/>
           <a:p>
-            <a:r>
-              <a:rPr lang="en-SG" dirty="0"/>
-              <a:t>Counterexample:</a:t>
-            </a:r>
-            <a:br>
-              <a:rPr lang="en-SG" dirty="0"/>
-            </a:br>
             <a:r>
               <a:rPr lang="en-SG" dirty="0" err="1"/>
               <a:t>Adaptyv’s</a:t>
@@ -9145,7 +9460,7 @@
 </p:sld>
 </file>
 
-<file path=ppt/slides/slide36.xml><?xml version="1.0" encoding="utf-8"?>
+<file path=ppt/slides/slide37.xml><?xml version="1.0" encoding="utf-8"?>
 <p:sld xmlns:a="http://schemas.openxmlformats.org/drawingml/2006/main" xmlns:r="http://schemas.openxmlformats.org/officeDocument/2006/relationships" xmlns:p="http://schemas.openxmlformats.org/presentationml/2006/main">
   <p:cSld>
     <p:spTree>
@@ -9337,7 +9652,7 @@
 </p:sld>
 </file>
 
-<file path=ppt/slides/slide37.xml><?xml version="1.0" encoding="utf-8"?>
+<file path=ppt/slides/slide38.xml><?xml version="1.0" encoding="utf-8"?>
 <p:sld xmlns:a="http://schemas.openxmlformats.org/drawingml/2006/main" xmlns:r="http://schemas.openxmlformats.org/officeDocument/2006/relationships" xmlns:p="http://schemas.openxmlformats.org/presentationml/2006/main">
   <p:cSld>
     <p:spTree>
@@ -9452,7 +9767,7 @@
 </p:sld>
 </file>
 
-<file path=ppt/slides/slide38.xml><?xml version="1.0" encoding="utf-8"?>
+<file path=ppt/slides/slide39.xml><?xml version="1.0" encoding="utf-8"?>
 <p:sld xmlns:a="http://schemas.openxmlformats.org/drawingml/2006/main" xmlns:r="http://schemas.openxmlformats.org/officeDocument/2006/relationships" xmlns:p="http://schemas.openxmlformats.org/presentationml/2006/main">
   <p:cSld>
     <p:spTree>
@@ -9552,155 +9867,6 @@
     <p:extLst>
       <p:ext uri="{BB962C8B-B14F-4D97-AF65-F5344CB8AC3E}">
         <p14:creationId xmlns:p14="http://schemas.microsoft.com/office/powerpoint/2010/main" val="4279327218"/>
-      </p:ext>
-    </p:extLst>
-  </p:cSld>
-  <p:clrMapOvr>
-    <a:masterClrMapping/>
-  </p:clrMapOvr>
-</p:sld>
-</file>
-
-<file path=ppt/slides/slide39.xml><?xml version="1.0" encoding="utf-8"?>
-<p:sld xmlns:a="http://schemas.openxmlformats.org/drawingml/2006/main" xmlns:r="http://schemas.openxmlformats.org/officeDocument/2006/relationships" xmlns:p="http://schemas.openxmlformats.org/presentationml/2006/main">
-  <p:cSld>
-    <p:spTree>
-      <p:nvGrpSpPr>
-        <p:cNvPr id="1" name="">
-          <a:extLst>
-            <a:ext uri="{FF2B5EF4-FFF2-40B4-BE49-F238E27FC236}">
-              <a16:creationId xmlns:a16="http://schemas.microsoft.com/office/drawing/2014/main" id="{F49F66D8-E321-6235-6A61-51560A91A3AA}"/>
-            </a:ext>
-          </a:extLst>
-        </p:cNvPr>
-        <p:cNvGrpSpPr/>
-        <p:nvPr/>
-      </p:nvGrpSpPr>
-      <p:grpSpPr>
-        <a:xfrm>
-          <a:off x="0" y="0"/>
-          <a:ext cx="0" cy="0"/>
-          <a:chOff x="0" y="0"/>
-          <a:chExt cx="0" cy="0"/>
-        </a:xfrm>
-      </p:grpSpPr>
-      <p:sp>
-        <p:nvSpPr>
-          <p:cNvPr id="2" name="Title 1">
-            <a:extLst>
-              <a:ext uri="{FF2B5EF4-FFF2-40B4-BE49-F238E27FC236}">
-                <a16:creationId xmlns:a16="http://schemas.microsoft.com/office/drawing/2014/main" id="{B64A9519-2260-A996-270D-FB8414E5E267}"/>
-              </a:ext>
-            </a:extLst>
-          </p:cNvPr>
-          <p:cNvSpPr>
-            <a:spLocks noGrp="1"/>
-          </p:cNvSpPr>
-          <p:nvPr>
-            <p:ph type="title"/>
-          </p:nvPr>
-        </p:nvSpPr>
-        <p:spPr/>
-        <p:txBody>
-          <a:bodyPr/>
-          <a:lstStyle/>
-          <a:p>
-            <a:r>
-              <a:rPr lang="en-SG" dirty="0" err="1"/>
-              <a:t>Adaptyv’s</a:t>
-            </a:r>
-            <a:r>
-              <a:rPr lang="en-SG" dirty="0"/>
-              <a:t> Protein Design Competition</a:t>
-            </a:r>
-            <a:br>
-              <a:rPr lang="en-SG" b="1" dirty="0"/>
-            </a:br>
-            <a:r>
-              <a:rPr lang="en-SG" dirty="0"/>
-              <a:t>Results (Dec 2024)</a:t>
-            </a:r>
-          </a:p>
-        </p:txBody>
-      </p:sp>
-      <p:sp>
-        <p:nvSpPr>
-          <p:cNvPr id="3" name="Content Placeholder 2">
-            <a:extLst>
-              <a:ext uri="{FF2B5EF4-FFF2-40B4-BE49-F238E27FC236}">
-                <a16:creationId xmlns:a16="http://schemas.microsoft.com/office/drawing/2014/main" id="{8C236702-A51D-4AE9-931D-1A3D3720DC91}"/>
-              </a:ext>
-            </a:extLst>
-          </p:cNvPr>
-          <p:cNvSpPr>
-            <a:spLocks noGrp="1"/>
-          </p:cNvSpPr>
-          <p:nvPr>
-            <p:ph idx="1"/>
-          </p:nvPr>
-        </p:nvSpPr>
-        <p:spPr/>
-        <p:txBody>
-          <a:bodyPr/>
-          <a:lstStyle/>
-          <a:p>
-            <a:r>
-              <a:rPr lang="en-US" dirty="0"/>
-              <a:t>They also wanted to see whether the new metrics had an impact on the number of resulting binders</a:t>
-            </a:r>
-          </a:p>
-          <a:p>
-            <a:r>
-              <a:rPr lang="en-US" dirty="0"/>
-              <a:t>“The causal relationship is still blurry. Did any of these metrics (</a:t>
-            </a:r>
-            <a:r>
-              <a:rPr lang="en-US" dirty="0" err="1"/>
-              <a:t>ipTM</a:t>
-            </a:r>
-            <a:r>
-              <a:rPr lang="en-US" dirty="0"/>
-              <a:t>, </a:t>
-            </a:r>
-            <a:r>
-              <a:rPr lang="en-US" dirty="0" err="1"/>
-              <a:t>iPAE</a:t>
-            </a:r>
-            <a:r>
-              <a:rPr lang="en-US" dirty="0"/>
-              <a:t>, ESM2 PLL) play a actual role in predicting binders?”</a:t>
-            </a:r>
-          </a:p>
-          <a:p>
-            <a:r>
-              <a:rPr lang="en-US" dirty="0"/>
-              <a:t>“But, we can highlight our main conclusion: landing in the top 100 w.r.t </a:t>
-            </a:r>
-            <a:r>
-              <a:rPr lang="en-US" i="1" dirty="0"/>
-              <a:t>in silico</a:t>
-            </a:r>
-            <a:r>
-              <a:rPr lang="en-US" dirty="0"/>
-              <a:t> metrics played no detectable role in increasing the binding affinity.”</a:t>
-            </a:r>
-          </a:p>
-          <a:p>
-            <a:r>
-              <a:rPr lang="en-US" dirty="0"/>
-              <a:t>Both in this competition and across the field, we still struggle to predict binding success through computational metrics</a:t>
-            </a:r>
-            <a:br>
-              <a:rPr lang="en-US" dirty="0"/>
-            </a:br>
-            <a:endParaRPr lang="en-US" dirty="0"/>
-          </a:p>
-        </p:txBody>
-      </p:sp>
-    </p:spTree>
-    <p:extLst>
-      <p:ext uri="{BB962C8B-B14F-4D97-AF65-F5344CB8AC3E}">
-        <p14:creationId xmlns:p14="http://schemas.microsoft.com/office/powerpoint/2010/main" val="3945491700"/>
       </p:ext>
     </p:extLst>
   </p:cSld>
@@ -10070,12 +10236,20 @@
         </p:nvSpPr>
         <p:spPr/>
         <p:txBody>
-          <a:bodyPr/>
+          <a:bodyPr>
+            <a:normAutofit fontScale="92500" lnSpcReduction="10000"/>
+          </a:bodyPr>
           <a:lstStyle/>
           <a:p>
             <a:r>
               <a:rPr lang="en-US" dirty="0"/>
               <a:t>They also wanted to see whether the new metrics had an impact on the number of resulting binders</a:t>
+            </a:r>
+          </a:p>
+          <a:p>
+            <a:r>
+              <a:rPr lang="en-US" dirty="0"/>
+              <a:t>Keeping in mind that they only had 1 target protein:</a:t>
             </a:r>
           </a:p>
           <a:p>
